--- a/archive/2022年度　統計学関連/10_ch10_母分散の区間推定/統計学_ch10.pptx
+++ b/archive/2022年度　統計学関連/10_ch10_母分散の区間推定/統計学_ch10.pptx
@@ -226,7 +226,7 @@
           <a:p>
             <a:fld id="{1895A64F-7672-4A38-B12D-41B8FA3C90DE}" type="datetimeFigureOut">
               <a:rPr kumimoji="1" lang="ja-JP" altLang="en-US" smtClean="0"/>
-              <a:t>2022/11/29</a:t>
+              <a:t>2023/12/10</a:t>
             </a:fld>
             <a:endParaRPr kumimoji="1" lang="ja-JP" altLang="en-US"/>
           </a:p>
@@ -5181,8 +5181,8 @@
           </a:p>
         </p:txBody>
       </p:sp>
-      <mc:AlternateContent xmlns:mc="http://schemas.openxmlformats.org/markup-compatibility/2006">
-        <mc:Choice xmlns:a14="http://schemas.microsoft.com/office/drawing/2010/main" Requires="a14">
+      <mc:AlternateContent xmlns:mc="http://schemas.openxmlformats.org/markup-compatibility/2006" xmlns:a14="http://schemas.microsoft.com/office/drawing/2010/main">
+        <mc:Choice Requires="a14">
           <p:sp>
             <p:nvSpPr>
               <p:cNvPr id="3" name="コンテンツ プレースホルダー 2"/>
@@ -6241,7 +6241,7 @@
             </p:txBody>
           </p:sp>
         </mc:Choice>
-        <mc:Fallback>
+        <mc:Fallback xmlns="">
           <p:sp>
             <p:nvSpPr>
               <p:cNvPr id="3" name="コンテンツ プレースホルダー 2"/>
@@ -6352,29 +6352,6 @@
       </p:sp>
       <p:sp>
         <p:nvSpPr>
-          <p:cNvPr id="6" name="スライド番号プレースホルダー 5"/>
-          <p:cNvSpPr>
-            <a:spLocks noGrp="1"/>
-          </p:cNvSpPr>
-          <p:nvPr>
-            <p:ph type="sldNum" sz="quarter" idx="12"/>
-          </p:nvPr>
-        </p:nvSpPr>
-        <p:spPr/>
-        <p:txBody>
-          <a:bodyPr/>
-          <a:lstStyle/>
-          <a:p>
-            <a:fld id="{83E4BC44-1CD2-4666-A5F4-A286043144FC}" type="slidenum">
-              <a:rPr kumimoji="1" lang="ja-JP" altLang="en-US" smtClean="0"/>
-              <a:t>12</a:t>
-            </a:fld>
-            <a:endParaRPr kumimoji="1" lang="ja-JP" altLang="en-US"/>
-          </a:p>
-        </p:txBody>
-      </p:sp>
-      <p:sp>
-        <p:nvSpPr>
           <p:cNvPr id="7" name="コンテンツ プレースホルダー 6"/>
           <p:cNvSpPr>
             <a:spLocks noGrp="1"/>
@@ -6383,7 +6360,12 @@
             <p:ph sz="quarter" idx="13"/>
           </p:nvPr>
         </p:nvSpPr>
-        <p:spPr/>
+        <p:spPr>
+          <a:xfrm>
+            <a:off x="0" y="692696"/>
+            <a:ext cx="9143999" cy="839874"/>
+          </a:xfrm>
+        </p:spPr>
         <p:txBody>
           <a:bodyPr/>
           <a:lstStyle/>
@@ -6616,29 +6598,6 @@
       </p:sp>
       <p:sp>
         <p:nvSpPr>
-          <p:cNvPr id="6" name="スライド番号プレースホルダー 5"/>
-          <p:cNvSpPr>
-            <a:spLocks noGrp="1"/>
-          </p:cNvSpPr>
-          <p:nvPr>
-            <p:ph type="sldNum" sz="quarter" idx="12"/>
-          </p:nvPr>
-        </p:nvSpPr>
-        <p:spPr/>
-        <p:txBody>
-          <a:bodyPr/>
-          <a:lstStyle/>
-          <a:p>
-            <a:fld id="{83E4BC44-1CD2-4666-A5F4-A286043144FC}" type="slidenum">
-              <a:rPr kumimoji="1" lang="ja-JP" altLang="en-US" smtClean="0"/>
-              <a:t>13</a:t>
-            </a:fld>
-            <a:endParaRPr kumimoji="1" lang="ja-JP" altLang="en-US"/>
-          </a:p>
-        </p:txBody>
-      </p:sp>
-      <p:sp>
-        <p:nvSpPr>
           <p:cNvPr id="7" name="コンテンツ プレースホルダー 6"/>
           <p:cNvSpPr>
             <a:spLocks noGrp="1"/>
@@ -6647,7 +6606,12 @@
             <p:ph sz="quarter" idx="13"/>
           </p:nvPr>
         </p:nvSpPr>
-        <p:spPr/>
+        <p:spPr>
+          <a:xfrm>
+            <a:off x="0" y="692696"/>
+            <a:ext cx="9143999" cy="839874"/>
+          </a:xfrm>
+        </p:spPr>
         <p:txBody>
           <a:bodyPr/>
           <a:lstStyle/>
@@ -6989,8 +6953,8 @@
           </a:p>
         </p:txBody>
       </p:sp>
-      <mc:AlternateContent xmlns:mc="http://schemas.openxmlformats.org/markup-compatibility/2006">
-        <mc:Choice xmlns:a14="http://schemas.microsoft.com/office/drawing/2010/main" Requires="a14">
+      <mc:AlternateContent xmlns:mc="http://schemas.openxmlformats.org/markup-compatibility/2006" xmlns:a14="http://schemas.microsoft.com/office/drawing/2010/main">
+        <mc:Choice Requires="a14">
           <p:graphicFrame>
             <p:nvGraphicFramePr>
               <p:cNvPr id="6" name="表 6">
@@ -7066,7 +7030,9 @@
                               </m:oMathParaPr>
                               <m:oMath xmlns:m="http://schemas.openxmlformats.org/officeDocument/2006/math">
                                 <m:r>
-                                  <a:rPr kumimoji="1" lang="en-US" altLang="ja-JP" sz="2400" b="1" smtClean="0"/>
+                                  <a:rPr kumimoji="1" lang="en-US" altLang="ja-JP" sz="2400" b="1" smtClean="0">
+                                    <a:latin typeface="Cambria Math" panose="02040503050406030204" pitchFamily="18" charset="0"/>
+                                  </a:rPr>
                                   <m:t>𝒊</m:t>
                                 </m:r>
                               </m:oMath>
@@ -7092,18 +7058,24 @@
                                 <m:sSub>
                                   <m:sSubPr>
                                     <m:ctrlPr>
-                                      <a:rPr kumimoji="1" lang="en-US" altLang="ja-JP" sz="2400" b="1" baseline="0" smtClean="0"/>
+                                      <a:rPr kumimoji="1" lang="en-US" altLang="ja-JP" sz="2400" b="1" i="1" baseline="0" smtClean="0">
+                                        <a:latin typeface="Cambria Math" panose="02040503050406030204" pitchFamily="18" charset="0"/>
+                                      </a:rPr>
                                     </m:ctrlPr>
                                   </m:sSubPr>
                                   <m:e>
                                     <m:r>
-                                      <a:rPr kumimoji="1" lang="en-US" altLang="ja-JP" sz="2400" b="1" baseline="0" smtClean="0"/>
+                                      <a:rPr kumimoji="1" lang="en-US" altLang="ja-JP" sz="2400" b="1" baseline="0" smtClean="0">
+                                        <a:latin typeface="Cambria Math" panose="02040503050406030204" pitchFamily="18" charset="0"/>
+                                      </a:rPr>
                                       <m:t>𝒙</m:t>
                                     </m:r>
                                   </m:e>
                                   <m:sub>
                                     <m:r>
-                                      <a:rPr kumimoji="1" lang="en-US" altLang="ja-JP" sz="2400" b="1" baseline="0" smtClean="0"/>
+                                      <a:rPr kumimoji="1" lang="en-US" altLang="ja-JP" sz="2400" b="1" baseline="0" smtClean="0">
+                                        <a:latin typeface="Cambria Math" panose="02040503050406030204" pitchFamily="18" charset="0"/>
+                                      </a:rPr>
                                       <m:t>𝒊</m:t>
                                     </m:r>
                                   </m:sub>
@@ -7131,36 +7103,48 @@
                                 <m:sSub>
                                   <m:sSubPr>
                                     <m:ctrlPr>
-                                      <a:rPr kumimoji="1" lang="en-US" altLang="ja-JP" sz="2400" b="1" smtClean="0"/>
+                                      <a:rPr kumimoji="1" lang="en-US" altLang="ja-JP" sz="2400" b="1" i="1" smtClean="0">
+                                        <a:latin typeface="Cambria Math" panose="02040503050406030204" pitchFamily="18" charset="0"/>
+                                      </a:rPr>
                                     </m:ctrlPr>
                                   </m:sSubPr>
                                   <m:e>
                                     <m:r>
-                                      <a:rPr kumimoji="1" lang="en-US" altLang="ja-JP" sz="2400" b="1" smtClean="0"/>
+                                      <a:rPr kumimoji="1" lang="en-US" altLang="ja-JP" sz="2400" b="1" smtClean="0">
+                                        <a:latin typeface="Cambria Math" panose="02040503050406030204" pitchFamily="18" charset="0"/>
+                                      </a:rPr>
                                       <m:t>𝒙</m:t>
                                     </m:r>
                                   </m:e>
                                   <m:sub>
                                     <m:r>
-                                      <a:rPr kumimoji="1" lang="en-US" altLang="ja-JP" sz="2400" b="1" smtClean="0"/>
+                                      <a:rPr kumimoji="1" lang="en-US" altLang="ja-JP" sz="2400" b="1" smtClean="0">
+                                        <a:latin typeface="Cambria Math" panose="02040503050406030204" pitchFamily="18" charset="0"/>
+                                      </a:rPr>
                                       <m:t>𝒊</m:t>
                                     </m:r>
                                   </m:sub>
                                 </m:sSub>
                                 <m:r>
-                                  <a:rPr kumimoji="1" lang="en-US" altLang="ja-JP" sz="2400" b="1" smtClean="0"/>
+                                  <a:rPr kumimoji="1" lang="en-US" altLang="ja-JP" sz="2400" b="1" smtClean="0">
+                                    <a:latin typeface="Cambria Math" panose="02040503050406030204" pitchFamily="18" charset="0"/>
+                                  </a:rPr>
                                   <m:t>−</m:t>
                                 </m:r>
                                 <m:acc>
                                   <m:accPr>
                                     <m:chr m:val="̅"/>
                                     <m:ctrlPr>
-                                      <a:rPr kumimoji="1" lang="en-US" altLang="ja-JP" sz="2400" b="1" smtClean="0"/>
+                                      <a:rPr kumimoji="1" lang="en-US" altLang="ja-JP" sz="2400" b="1" i="1" smtClean="0">
+                                        <a:latin typeface="Cambria Math" panose="02040503050406030204" pitchFamily="18" charset="0"/>
+                                      </a:rPr>
                                     </m:ctrlPr>
                                   </m:accPr>
                                   <m:e>
                                     <m:r>
-                                      <a:rPr kumimoji="1" lang="en-US" altLang="ja-JP" sz="2400" b="1" smtClean="0"/>
+                                      <a:rPr kumimoji="1" lang="en-US" altLang="ja-JP" sz="2400" b="1" smtClean="0">
+                                        <a:latin typeface="Cambria Math" panose="02040503050406030204" pitchFamily="18" charset="0"/>
+                                      </a:rPr>
                                       <m:t>𝒙</m:t>
                                     </m:r>
                                   </m:e>
@@ -7188,50 +7172,66 @@
                                 <m:sSup>
                                   <m:sSupPr>
                                     <m:ctrlPr>
-                                      <a:rPr kumimoji="1" lang="en-US" altLang="ja-JP" sz="2400" b="1" smtClean="0"/>
+                                      <a:rPr kumimoji="1" lang="en-US" altLang="ja-JP" sz="2400" b="1" i="1" smtClean="0">
+                                        <a:latin typeface="Cambria Math" panose="02040503050406030204" pitchFamily="18" charset="0"/>
+                                      </a:rPr>
                                     </m:ctrlPr>
                                   </m:sSupPr>
                                   <m:e>
                                     <m:d>
                                       <m:dPr>
                                         <m:ctrlPr>
-                                          <a:rPr kumimoji="1" lang="en-US" altLang="ja-JP" sz="2400" b="1" smtClean="0"/>
+                                          <a:rPr kumimoji="1" lang="en-US" altLang="ja-JP" sz="2400" b="1" i="1" smtClean="0">
+                                            <a:latin typeface="Cambria Math" panose="02040503050406030204" pitchFamily="18" charset="0"/>
+                                          </a:rPr>
                                         </m:ctrlPr>
                                       </m:dPr>
                                       <m:e>
                                         <m:sSub>
                                           <m:sSubPr>
                                             <m:ctrlPr>
-                                              <a:rPr kumimoji="1" lang="en-US" altLang="ja-JP" sz="2400" b="1" smtClean="0"/>
+                                              <a:rPr kumimoji="1" lang="en-US" altLang="ja-JP" sz="2400" b="1" i="1" smtClean="0">
+                                                <a:latin typeface="Cambria Math" panose="02040503050406030204" pitchFamily="18" charset="0"/>
+                                              </a:rPr>
                                             </m:ctrlPr>
                                           </m:sSubPr>
                                           <m:e>
                                             <m:r>
-                                              <a:rPr kumimoji="1" lang="en-US" altLang="ja-JP" sz="2400" b="1" smtClean="0"/>
+                                              <a:rPr kumimoji="1" lang="en-US" altLang="ja-JP" sz="2400" b="1" smtClean="0">
+                                                <a:latin typeface="Cambria Math" panose="02040503050406030204" pitchFamily="18" charset="0"/>
+                                              </a:rPr>
                                               <m:t>𝒙</m:t>
                                             </m:r>
                                           </m:e>
                                           <m:sub>
                                             <m:r>
-                                              <a:rPr kumimoji="1" lang="en-US" altLang="ja-JP" sz="2400" b="1" smtClean="0"/>
+                                              <a:rPr kumimoji="1" lang="en-US" altLang="ja-JP" sz="2400" b="1" smtClean="0">
+                                                <a:latin typeface="Cambria Math" panose="02040503050406030204" pitchFamily="18" charset="0"/>
+                                              </a:rPr>
                                               <m:t>𝒊</m:t>
                                             </m:r>
                                           </m:sub>
                                         </m:sSub>
                                         <m:r>
-                                          <a:rPr kumimoji="1" lang="en-US" altLang="ja-JP" sz="2400" b="1" smtClean="0"/>
+                                          <a:rPr kumimoji="1" lang="en-US" altLang="ja-JP" sz="2400" b="1" smtClean="0">
+                                            <a:latin typeface="Cambria Math" panose="02040503050406030204" pitchFamily="18" charset="0"/>
+                                          </a:rPr>
                                           <m:t>−</m:t>
                                         </m:r>
                                         <m:acc>
                                           <m:accPr>
                                             <m:chr m:val="̅"/>
                                             <m:ctrlPr>
-                                              <a:rPr kumimoji="1" lang="en-US" altLang="ja-JP" sz="2400" b="1" smtClean="0"/>
+                                              <a:rPr kumimoji="1" lang="en-US" altLang="ja-JP" sz="2400" b="1" i="1" smtClean="0">
+                                                <a:latin typeface="Cambria Math" panose="02040503050406030204" pitchFamily="18" charset="0"/>
+                                              </a:rPr>
                                             </m:ctrlPr>
                                           </m:accPr>
                                           <m:e>
                                             <m:r>
-                                              <a:rPr kumimoji="1" lang="en-US" altLang="ja-JP" sz="2400" b="1" smtClean="0"/>
+                                              <a:rPr kumimoji="1" lang="en-US" altLang="ja-JP" sz="2400" b="1" smtClean="0">
+                                                <a:latin typeface="Cambria Math" panose="02040503050406030204" pitchFamily="18" charset="0"/>
+                                              </a:rPr>
                                               <m:t>𝒙</m:t>
                                             </m:r>
                                           </m:e>
@@ -7241,7 +7241,9 @@
                                   </m:e>
                                   <m:sup>
                                     <m:r>
-                                      <a:rPr kumimoji="1" lang="en-US" altLang="ja-JP" sz="2400" b="1" smtClean="0"/>
+                                      <a:rPr kumimoji="1" lang="en-US" altLang="ja-JP" sz="2400" b="1" smtClean="0">
+                                        <a:latin typeface="Cambria Math" panose="02040503050406030204" pitchFamily="18" charset="0"/>
+                                      </a:rPr>
                                       <m:t>𝟐</m:t>
                                     </m:r>
                                   </m:sup>
@@ -7668,7 +7670,7 @@
             </a:graphic>
           </p:graphicFrame>
         </mc:Choice>
-        <mc:Fallback>
+        <mc:Fallback xmlns="">
           <p:graphicFrame>
             <p:nvGraphicFramePr>
               <p:cNvPr id="6" name="表 6">
@@ -8303,8 +8305,8 @@
           </a:p>
         </p:txBody>
       </p:sp>
-      <mc:AlternateContent xmlns:mc="http://schemas.openxmlformats.org/markup-compatibility/2006">
-        <mc:Choice xmlns:a14="http://schemas.microsoft.com/office/drawing/2010/main" Requires="a14">
+      <mc:AlternateContent xmlns:mc="http://schemas.openxmlformats.org/markup-compatibility/2006" xmlns:a14="http://schemas.microsoft.com/office/drawing/2010/main">
+        <mc:Choice Requires="a14">
           <p:sp>
             <p:nvSpPr>
               <p:cNvPr id="7" name="正方形/長方形 6">
@@ -8478,7 +8480,7 @@
             </p:txBody>
           </p:sp>
         </mc:Choice>
-        <mc:Fallback>
+        <mc:Fallback xmlns="">
           <p:sp>
             <p:nvSpPr>
               <p:cNvPr id="7" name="正方形/長方形 6">
@@ -10885,1357 +10887,1296 @@
       </p:grpSpPr>
       <p:sp>
         <p:nvSpPr>
-          <p:cNvPr id="2" name="タイトル 1"/>
-          <p:cNvSpPr>
-            <a:spLocks noGrp="1"/>
-          </p:cNvSpPr>
-          <p:nvPr>
-            <p:ph type="title"/>
-          </p:nvPr>
+          <p:cNvPr id="26" name="下矢印 25"/>
+          <p:cNvSpPr/>
+          <p:nvPr/>
         </p:nvSpPr>
-        <p:spPr/>
+        <p:spPr>
+          <a:xfrm>
+            <a:off x="1907704" y="2276872"/>
+            <a:ext cx="432048" cy="576064"/>
+          </a:xfrm>
+          <a:prstGeom prst="downArrow">
+            <a:avLst/>
+          </a:prstGeom>
+          <a:ln>
+            <a:noFill/>
+          </a:ln>
+        </p:spPr>
+        <p:style>
+          <a:lnRef idx="2">
+            <a:schemeClr val="accent1">
+              <a:shade val="50000"/>
+            </a:schemeClr>
+          </a:lnRef>
+          <a:fillRef idx="1">
+            <a:schemeClr val="accent1"/>
+          </a:fillRef>
+          <a:effectRef idx="0">
+            <a:schemeClr val="accent1"/>
+          </a:effectRef>
+          <a:fontRef idx="minor">
+            <a:schemeClr val="lt1"/>
+          </a:fontRef>
+        </p:style>
         <p:txBody>
-          <a:bodyPr/>
+          <a:bodyPr rtlCol="0" anchor="ctr"/>
           <a:lstStyle/>
           <a:p>
-            <a:r>
-              <a:rPr lang="ja-JP" altLang="en-US" dirty="0"/>
-              <a:t>確率分布の関連性</a:t>
-            </a:r>
-            <a:endParaRPr kumimoji="1" lang="ja-JP" altLang="en-US" dirty="0"/>
+            <a:pPr algn="ctr"/>
+            <a:endParaRPr kumimoji="1" lang="ja-JP" altLang="en-US"/>
           </a:p>
         </p:txBody>
       </p:sp>
       <p:sp>
         <p:nvSpPr>
-          <p:cNvPr id="6" name="スライド番号プレースホルダー 5"/>
-          <p:cNvSpPr>
-            <a:spLocks noGrp="1"/>
-          </p:cNvSpPr>
-          <p:nvPr>
-            <p:ph type="sldNum" sz="quarter" idx="12"/>
-          </p:nvPr>
+          <p:cNvPr id="27" name="下矢印 26"/>
+          <p:cNvSpPr/>
+          <p:nvPr/>
         </p:nvSpPr>
-        <p:spPr/>
+        <p:spPr>
+          <a:xfrm>
+            <a:off x="1907704" y="4295335"/>
+            <a:ext cx="432048" cy="576064"/>
+          </a:xfrm>
+          <a:prstGeom prst="downArrow">
+            <a:avLst/>
+          </a:prstGeom>
+          <a:ln>
+            <a:noFill/>
+          </a:ln>
+        </p:spPr>
+        <p:style>
+          <a:lnRef idx="2">
+            <a:schemeClr val="accent1">
+              <a:shade val="50000"/>
+            </a:schemeClr>
+          </a:lnRef>
+          <a:fillRef idx="1">
+            <a:schemeClr val="accent1"/>
+          </a:fillRef>
+          <a:effectRef idx="0">
+            <a:schemeClr val="accent1"/>
+          </a:effectRef>
+          <a:fontRef idx="minor">
+            <a:schemeClr val="lt1"/>
+          </a:fontRef>
+        </p:style>
         <p:txBody>
-          <a:bodyPr/>
+          <a:bodyPr rtlCol="0" anchor="ctr"/>
           <a:lstStyle/>
           <a:p>
-            <a:fld id="{83E4BC44-1CD2-4666-A5F4-A286043144FC}" type="slidenum">
-              <a:rPr kumimoji="1" lang="ja-JP" altLang="en-US" smtClean="0"/>
-              <a:t>2</a:t>
-            </a:fld>
+            <a:pPr algn="ctr"/>
             <a:endParaRPr kumimoji="1" lang="ja-JP" altLang="en-US"/>
           </a:p>
         </p:txBody>
       </p:sp>
-      <p:grpSp>
-        <p:nvGrpSpPr>
-          <p:cNvPr id="25" name="グループ化 24"/>
-          <p:cNvGrpSpPr/>
+      <p:sp>
+        <p:nvSpPr>
+          <p:cNvPr id="28" name="下矢印 27"/>
+          <p:cNvSpPr/>
           <p:nvPr/>
-        </p:nvGrpSpPr>
-        <p:grpSpPr>
-          <a:xfrm>
-            <a:off x="179512" y="188640"/>
-            <a:ext cx="8568952" cy="6120680"/>
-            <a:chOff x="179512" y="188640"/>
-            <a:chExt cx="8568952" cy="6120680"/>
+        </p:nvSpPr>
+        <p:spPr>
+          <a:xfrm rot="16200000">
+            <a:off x="4247966" y="5193197"/>
+            <a:ext cx="432048" cy="792086"/>
           </a:xfrm>
-        </p:grpSpPr>
-        <p:sp>
-          <p:nvSpPr>
-            <p:cNvPr id="26" name="下矢印 25"/>
-            <p:cNvSpPr/>
-            <p:nvPr/>
-          </p:nvSpPr>
-          <p:spPr>
-            <a:xfrm>
-              <a:off x="1907704" y="2276872"/>
-              <a:ext cx="432048" cy="576064"/>
-            </a:xfrm>
-            <a:prstGeom prst="downArrow">
-              <a:avLst/>
-            </a:prstGeom>
-            <a:ln>
-              <a:noFill/>
-            </a:ln>
-          </p:spPr>
-          <p:style>
-            <a:lnRef idx="2">
-              <a:schemeClr val="accent1">
-                <a:shade val="50000"/>
-              </a:schemeClr>
-            </a:lnRef>
-            <a:fillRef idx="1">
-              <a:schemeClr val="accent1"/>
-            </a:fillRef>
-            <a:effectRef idx="0">
-              <a:schemeClr val="accent1"/>
-            </a:effectRef>
-            <a:fontRef idx="minor">
-              <a:schemeClr val="lt1"/>
-            </a:fontRef>
-          </p:style>
-          <p:txBody>
-            <a:bodyPr rtlCol="0" anchor="ctr"/>
-            <a:lstStyle/>
-            <a:p>
-              <a:pPr algn="ctr"/>
-              <a:endParaRPr kumimoji="1" lang="ja-JP" altLang="en-US"/>
-            </a:p>
-          </p:txBody>
-        </p:sp>
-        <p:sp>
-          <p:nvSpPr>
-            <p:cNvPr id="27" name="下矢印 26"/>
-            <p:cNvSpPr/>
-            <p:nvPr/>
-          </p:nvSpPr>
-          <p:spPr>
-            <a:xfrm>
-              <a:off x="1907704" y="4295335"/>
-              <a:ext cx="432048" cy="576064"/>
-            </a:xfrm>
-            <a:prstGeom prst="downArrow">
-              <a:avLst/>
-            </a:prstGeom>
-            <a:ln>
-              <a:noFill/>
-            </a:ln>
-          </p:spPr>
-          <p:style>
-            <a:lnRef idx="2">
-              <a:schemeClr val="accent1">
-                <a:shade val="50000"/>
-              </a:schemeClr>
-            </a:lnRef>
-            <a:fillRef idx="1">
-              <a:schemeClr val="accent1"/>
-            </a:fillRef>
-            <a:effectRef idx="0">
-              <a:schemeClr val="accent1"/>
-            </a:effectRef>
-            <a:fontRef idx="minor">
-              <a:schemeClr val="lt1"/>
-            </a:fontRef>
-          </p:style>
-          <p:txBody>
-            <a:bodyPr rtlCol="0" anchor="ctr"/>
-            <a:lstStyle/>
-            <a:p>
-              <a:pPr algn="ctr"/>
-              <a:endParaRPr kumimoji="1" lang="ja-JP" altLang="en-US"/>
-            </a:p>
-          </p:txBody>
-        </p:sp>
-        <p:sp>
-          <p:nvSpPr>
-            <p:cNvPr id="28" name="下矢印 27"/>
-            <p:cNvSpPr/>
-            <p:nvPr/>
-          </p:nvSpPr>
-          <p:spPr>
-            <a:xfrm rot="16200000">
-              <a:off x="4247966" y="5193197"/>
-              <a:ext cx="432048" cy="792086"/>
-            </a:xfrm>
-            <a:prstGeom prst="downArrow">
-              <a:avLst/>
-            </a:prstGeom>
-            <a:ln>
-              <a:noFill/>
-            </a:ln>
-          </p:spPr>
-          <p:style>
-            <a:lnRef idx="2">
-              <a:schemeClr val="accent1">
-                <a:shade val="50000"/>
-              </a:schemeClr>
-            </a:lnRef>
-            <a:fillRef idx="1">
-              <a:schemeClr val="accent1"/>
-            </a:fillRef>
-            <a:effectRef idx="0">
-              <a:schemeClr val="accent1"/>
-            </a:effectRef>
-            <a:fontRef idx="minor">
-              <a:schemeClr val="lt1"/>
-            </a:fontRef>
-          </p:style>
-          <p:txBody>
-            <a:bodyPr rtlCol="0" anchor="ctr"/>
-            <a:lstStyle/>
-            <a:p>
-              <a:pPr algn="ctr"/>
-              <a:endParaRPr kumimoji="1" lang="ja-JP" altLang="en-US"/>
-            </a:p>
-          </p:txBody>
-        </p:sp>
-        <p:sp>
-          <p:nvSpPr>
-            <p:cNvPr id="29" name="下矢印 28"/>
-            <p:cNvSpPr/>
-            <p:nvPr/>
-          </p:nvSpPr>
-          <p:spPr>
-            <a:xfrm rot="16200000">
-              <a:off x="4247963" y="3104965"/>
-              <a:ext cx="432048" cy="792086"/>
-            </a:xfrm>
-            <a:prstGeom prst="downArrow">
-              <a:avLst/>
-            </a:prstGeom>
-            <a:ln>
-              <a:noFill/>
-            </a:ln>
-          </p:spPr>
-          <p:style>
-            <a:lnRef idx="2">
-              <a:schemeClr val="accent1">
-                <a:shade val="50000"/>
-              </a:schemeClr>
-            </a:lnRef>
-            <a:fillRef idx="1">
-              <a:schemeClr val="accent1"/>
-            </a:fillRef>
-            <a:effectRef idx="0">
-              <a:schemeClr val="accent1"/>
-            </a:effectRef>
-            <a:fontRef idx="minor">
-              <a:schemeClr val="lt1"/>
-            </a:fontRef>
-          </p:style>
-          <p:txBody>
-            <a:bodyPr rtlCol="0" anchor="ctr"/>
-            <a:lstStyle/>
-            <a:p>
-              <a:pPr algn="ctr"/>
-              <a:endParaRPr kumimoji="1" lang="ja-JP" altLang="en-US"/>
-            </a:p>
-          </p:txBody>
-        </p:sp>
-        <p:sp>
-          <p:nvSpPr>
-            <p:cNvPr id="30" name="下矢印 29"/>
-            <p:cNvSpPr/>
-            <p:nvPr/>
-          </p:nvSpPr>
-          <p:spPr>
-            <a:xfrm rot="13055529">
-              <a:off x="4247966" y="4093813"/>
-              <a:ext cx="432048" cy="1521608"/>
-            </a:xfrm>
-            <a:prstGeom prst="downArrow">
-              <a:avLst/>
-            </a:prstGeom>
-            <a:ln>
-              <a:noFill/>
-            </a:ln>
-          </p:spPr>
-          <p:style>
-            <a:lnRef idx="2">
-              <a:schemeClr val="accent1">
-                <a:shade val="50000"/>
-              </a:schemeClr>
-            </a:lnRef>
-            <a:fillRef idx="1">
-              <a:schemeClr val="accent1"/>
-            </a:fillRef>
-            <a:effectRef idx="0">
-              <a:schemeClr val="accent1"/>
-            </a:effectRef>
-            <a:fontRef idx="minor">
-              <a:schemeClr val="lt1"/>
-            </a:fontRef>
-          </p:style>
-          <p:txBody>
-            <a:bodyPr rtlCol="0" anchor="ctr"/>
-            <a:lstStyle/>
-            <a:p>
-              <a:pPr algn="ctr"/>
-              <a:endParaRPr kumimoji="1" lang="ja-JP" altLang="en-US"/>
-            </a:p>
-          </p:txBody>
-        </p:sp>
-        <mc:AlternateContent xmlns:mc="http://schemas.openxmlformats.org/markup-compatibility/2006" xmlns:a14="http://schemas.microsoft.com/office/drawing/2010/main">
-          <mc:Choice Requires="a14">
-            <p:sp>
-              <p:nvSpPr>
-                <p:cNvPr id="31" name="正方形/長方形 30"/>
-                <p:cNvSpPr/>
-                <p:nvPr/>
-              </p:nvSpPr>
-              <p:spPr>
-                <a:xfrm>
-                  <a:off x="181646" y="836712"/>
-                  <a:ext cx="3888432" cy="1440160"/>
-                </a:xfrm>
-                <a:prstGeom prst="rect">
-                  <a:avLst/>
-                </a:prstGeom>
-                <a:solidFill>
-                  <a:schemeClr val="bg1"/>
-                </a:solidFill>
-              </p:spPr>
-              <p:style>
-                <a:lnRef idx="2">
-                  <a:schemeClr val="accent1">
-                    <a:shade val="50000"/>
-                  </a:schemeClr>
-                </a:lnRef>
-                <a:fillRef idx="1">
-                  <a:schemeClr val="accent1"/>
-                </a:fillRef>
-                <a:effectRef idx="0">
-                  <a:schemeClr val="accent1"/>
-                </a:effectRef>
-                <a:fontRef idx="minor">
-                  <a:schemeClr val="lt1"/>
-                </a:fontRef>
-              </p:style>
-              <p:txBody>
-                <a:bodyPr rtlCol="0" anchor="ctr"/>
-                <a:lstStyle/>
-                <a:p>
-                  <a:pPr algn="ctr"/>
-                  <a:r>
-                    <a:rPr lang="en-US" altLang="ja-JP" dirty="0">
-                      <a:solidFill>
-                        <a:schemeClr val="tx1"/>
-                      </a:solidFill>
-                      <a:latin typeface="メイリオ" panose="020B0604030504040204" pitchFamily="50" charset="-128"/>
-                      <a:ea typeface="メイリオ" panose="020B0604030504040204" pitchFamily="50" charset="-128"/>
-                      <a:cs typeface="メイリオ" panose="020B0604030504040204" pitchFamily="50" charset="-128"/>
-                    </a:rPr>
-                    <a:t>【</a:t>
-                  </a:r>
-                  <a:r>
-                    <a:rPr lang="ja-JP" altLang="en-US" dirty="0">
-                      <a:solidFill>
-                        <a:srgbClr val="00B050"/>
-                      </a:solidFill>
-                      <a:latin typeface="メイリオ" panose="020B0604030504040204" pitchFamily="50" charset="-128"/>
-                      <a:ea typeface="メイリオ" panose="020B0604030504040204" pitchFamily="50" charset="-128"/>
-                      <a:cs typeface="メイリオ" panose="020B0604030504040204" pitchFamily="50" charset="-128"/>
-                    </a:rPr>
-                    <a:t>二項分布</a:t>
-                  </a:r>
-                  <a:r>
-                    <a:rPr lang="en-US" altLang="ja-JP" dirty="0">
-                      <a:solidFill>
-                        <a:schemeClr val="tx1"/>
-                      </a:solidFill>
-                      <a:latin typeface="メイリオ" panose="020B0604030504040204" pitchFamily="50" charset="-128"/>
-                      <a:ea typeface="メイリオ" panose="020B0604030504040204" pitchFamily="50" charset="-128"/>
-                      <a:cs typeface="メイリオ" panose="020B0604030504040204" pitchFamily="50" charset="-128"/>
-                    </a:rPr>
-                    <a:t>】</a:t>
-                  </a:r>
-                </a:p>
-                <a:p>
-                  <a:pPr algn="ctr"/>
-                  <a:endParaRPr lang="en-US" altLang="ja-JP" dirty="0">
+          <a:prstGeom prst="downArrow">
+            <a:avLst/>
+          </a:prstGeom>
+          <a:ln>
+            <a:noFill/>
+          </a:ln>
+        </p:spPr>
+        <p:style>
+          <a:lnRef idx="2">
+            <a:schemeClr val="accent1">
+              <a:shade val="50000"/>
+            </a:schemeClr>
+          </a:lnRef>
+          <a:fillRef idx="1">
+            <a:schemeClr val="accent1"/>
+          </a:fillRef>
+          <a:effectRef idx="0">
+            <a:schemeClr val="accent1"/>
+          </a:effectRef>
+          <a:fontRef idx="minor">
+            <a:schemeClr val="lt1"/>
+          </a:fontRef>
+        </p:style>
+        <p:txBody>
+          <a:bodyPr rtlCol="0" anchor="ctr"/>
+          <a:lstStyle/>
+          <a:p>
+            <a:pPr algn="ctr"/>
+            <a:endParaRPr kumimoji="1" lang="ja-JP" altLang="en-US"/>
+          </a:p>
+        </p:txBody>
+      </p:sp>
+      <p:sp>
+        <p:nvSpPr>
+          <p:cNvPr id="29" name="下矢印 28"/>
+          <p:cNvSpPr/>
+          <p:nvPr/>
+        </p:nvSpPr>
+        <p:spPr>
+          <a:xfrm rot="16200000">
+            <a:off x="4247963" y="3104965"/>
+            <a:ext cx="432048" cy="792086"/>
+          </a:xfrm>
+          <a:prstGeom prst="downArrow">
+            <a:avLst/>
+          </a:prstGeom>
+          <a:ln>
+            <a:noFill/>
+          </a:ln>
+        </p:spPr>
+        <p:style>
+          <a:lnRef idx="2">
+            <a:schemeClr val="accent1">
+              <a:shade val="50000"/>
+            </a:schemeClr>
+          </a:lnRef>
+          <a:fillRef idx="1">
+            <a:schemeClr val="accent1"/>
+          </a:fillRef>
+          <a:effectRef idx="0">
+            <a:schemeClr val="accent1"/>
+          </a:effectRef>
+          <a:fontRef idx="minor">
+            <a:schemeClr val="lt1"/>
+          </a:fontRef>
+        </p:style>
+        <p:txBody>
+          <a:bodyPr rtlCol="0" anchor="ctr"/>
+          <a:lstStyle/>
+          <a:p>
+            <a:pPr algn="ctr"/>
+            <a:endParaRPr kumimoji="1" lang="ja-JP" altLang="en-US"/>
+          </a:p>
+        </p:txBody>
+      </p:sp>
+      <p:sp>
+        <p:nvSpPr>
+          <p:cNvPr id="30" name="下矢印 29"/>
+          <p:cNvSpPr/>
+          <p:nvPr/>
+        </p:nvSpPr>
+        <p:spPr>
+          <a:xfrm rot="13055529">
+            <a:off x="4247966" y="4093813"/>
+            <a:ext cx="432048" cy="1521608"/>
+          </a:xfrm>
+          <a:prstGeom prst="downArrow">
+            <a:avLst/>
+          </a:prstGeom>
+          <a:ln>
+            <a:noFill/>
+          </a:ln>
+        </p:spPr>
+        <p:style>
+          <a:lnRef idx="2">
+            <a:schemeClr val="accent1">
+              <a:shade val="50000"/>
+            </a:schemeClr>
+          </a:lnRef>
+          <a:fillRef idx="1">
+            <a:schemeClr val="accent1"/>
+          </a:fillRef>
+          <a:effectRef idx="0">
+            <a:schemeClr val="accent1"/>
+          </a:effectRef>
+          <a:fontRef idx="minor">
+            <a:schemeClr val="lt1"/>
+          </a:fontRef>
+        </p:style>
+        <p:txBody>
+          <a:bodyPr rtlCol="0" anchor="ctr"/>
+          <a:lstStyle/>
+          <a:p>
+            <a:pPr algn="ctr"/>
+            <a:endParaRPr kumimoji="1" lang="ja-JP" altLang="en-US"/>
+          </a:p>
+        </p:txBody>
+      </p:sp>
+      <mc:AlternateContent xmlns:mc="http://schemas.openxmlformats.org/markup-compatibility/2006">
+        <mc:Choice xmlns:a14="http://schemas.microsoft.com/office/drawing/2010/main" Requires="a14">
+          <p:sp>
+            <p:nvSpPr>
+              <p:cNvPr id="31" name="正方形/長方形 30"/>
+              <p:cNvSpPr/>
+              <p:nvPr/>
+            </p:nvSpPr>
+            <p:spPr>
+              <a:xfrm>
+                <a:off x="181646" y="836712"/>
+                <a:ext cx="3888432" cy="1440160"/>
+              </a:xfrm>
+              <a:prstGeom prst="rect">
+                <a:avLst/>
+              </a:prstGeom>
+              <a:solidFill>
+                <a:schemeClr val="bg1"/>
+              </a:solidFill>
+            </p:spPr>
+            <p:style>
+              <a:lnRef idx="2">
+                <a:schemeClr val="accent1">
+                  <a:shade val="50000"/>
+                </a:schemeClr>
+              </a:lnRef>
+              <a:fillRef idx="1">
+                <a:schemeClr val="accent1"/>
+              </a:fillRef>
+              <a:effectRef idx="0">
+                <a:schemeClr val="accent1"/>
+              </a:effectRef>
+              <a:fontRef idx="minor">
+                <a:schemeClr val="lt1"/>
+              </a:fontRef>
+            </p:style>
+            <p:txBody>
+              <a:bodyPr rtlCol="0" anchor="ctr"/>
+              <a:lstStyle/>
+              <a:p>
+                <a:pPr algn="ctr"/>
+                <a:r>
+                  <a:rPr lang="en-US" altLang="ja-JP" dirty="0">
                     <a:solidFill>
                       <a:schemeClr val="tx1"/>
                     </a:solidFill>
                     <a:latin typeface="メイリオ" panose="020B0604030504040204" pitchFamily="50" charset="-128"/>
                     <a:ea typeface="メイリオ" panose="020B0604030504040204" pitchFamily="50" charset="-128"/>
                     <a:cs typeface="メイリオ" panose="020B0604030504040204" pitchFamily="50" charset="-128"/>
-                  </a:endParaRPr>
-                </a:p>
-                <a:p>
-                  <a:pPr algn="ctr"/>
-                  <a:r>
-                    <a:rPr kumimoji="1" lang="ja-JP" altLang="en-US" dirty="0">
-                      <a:solidFill>
-                        <a:schemeClr val="tx1"/>
-                      </a:solidFill>
-                      <a:latin typeface="メイリオ" panose="020B0604030504040204" pitchFamily="50" charset="-128"/>
-                      <a:ea typeface="メイリオ" panose="020B0604030504040204" pitchFamily="50" charset="-128"/>
-                      <a:cs typeface="メイリオ" panose="020B0604030504040204" pitchFamily="50" charset="-128"/>
-                    </a:rPr>
-                    <a:t>標本の大きさ</a:t>
-                  </a:r>
-                  <a14:m>
-                    <m:oMath xmlns:m="http://schemas.openxmlformats.org/officeDocument/2006/math">
-                      <m:r>
-                        <a:rPr kumimoji="1" lang="en-US" altLang="ja-JP" b="0" i="1" smtClean="0">
-                          <a:solidFill>
-                            <a:schemeClr val="tx1"/>
-                          </a:solidFill>
-                          <a:latin typeface="Cambria Math"/>
-                        </a:rPr>
-                        <m:t>𝑛</m:t>
-                      </m:r>
-                    </m:oMath>
-                  </a14:m>
-                  <a:r>
-                    <a:rPr kumimoji="1" lang="ja-JP" altLang="en-US" dirty="0">
-                      <a:solidFill>
-                        <a:schemeClr val="tx1"/>
-                      </a:solidFill>
-                      <a:latin typeface="メイリオ" panose="020B0604030504040204" pitchFamily="50" charset="-128"/>
-                      <a:ea typeface="メイリオ" panose="020B0604030504040204" pitchFamily="50" charset="-128"/>
-                      <a:cs typeface="メイリオ" panose="020B0604030504040204" pitchFamily="50" charset="-128"/>
-                    </a:rPr>
-                    <a:t>が大きいときに</a:t>
-                  </a:r>
-                  <a:br>
-                    <a:rPr kumimoji="1" lang="en-US" altLang="ja-JP" dirty="0">
-                      <a:solidFill>
-                        <a:schemeClr val="tx1"/>
-                      </a:solidFill>
-                      <a:latin typeface="メイリオ" panose="020B0604030504040204" pitchFamily="50" charset="-128"/>
-                      <a:ea typeface="メイリオ" panose="020B0604030504040204" pitchFamily="50" charset="-128"/>
-                      <a:cs typeface="メイリオ" panose="020B0604030504040204" pitchFamily="50" charset="-128"/>
-                    </a:rPr>
-                  </a:br>
-                  <a:r>
-                    <a:rPr kumimoji="1" lang="ja-JP" altLang="en-US" dirty="0">
-                      <a:solidFill>
-                        <a:srgbClr val="FF0000"/>
-                      </a:solidFill>
-                      <a:latin typeface="メイリオ" panose="020B0604030504040204" pitchFamily="50" charset="-128"/>
-                      <a:ea typeface="メイリオ" panose="020B0604030504040204" pitchFamily="50" charset="-128"/>
-                      <a:cs typeface="メイリオ" panose="020B0604030504040204" pitchFamily="50" charset="-128"/>
-                    </a:rPr>
-                    <a:t>正規分布</a:t>
-                  </a:r>
-                  <a:r>
-                    <a:rPr kumimoji="1" lang="ja-JP" altLang="en-US" dirty="0">
-                      <a:solidFill>
-                        <a:schemeClr val="tx1"/>
-                      </a:solidFill>
-                      <a:latin typeface="メイリオ" panose="020B0604030504040204" pitchFamily="50" charset="-128"/>
-                      <a:ea typeface="メイリオ" panose="020B0604030504040204" pitchFamily="50" charset="-128"/>
-                      <a:cs typeface="メイリオ" panose="020B0604030504040204" pitchFamily="50" charset="-128"/>
-                    </a:rPr>
-                    <a:t>に近似</a:t>
-                  </a:r>
-                </a:p>
-              </p:txBody>
-            </p:sp>
-          </mc:Choice>
-          <mc:Fallback xmlns="">
-            <p:sp>
-              <p:nvSpPr>
-                <p:cNvPr id="31" name="正方形/長方形 30"/>
-                <p:cNvSpPr>
-                  <a:spLocks noRot="1" noChangeAspect="1" noMove="1" noResize="1" noEditPoints="1" noAdjustHandles="1" noChangeArrowheads="1" noChangeShapeType="1" noTextEdit="1"/>
-                </p:cNvSpPr>
-                <p:nvPr/>
-              </p:nvSpPr>
-              <p:spPr>
-                <a:xfrm>
-                  <a:off x="181646" y="836712"/>
-                  <a:ext cx="3888432" cy="1440160"/>
-                </a:xfrm>
-                <a:prstGeom prst="rect">
-                  <a:avLst/>
-                </a:prstGeom>
-                <a:blipFill rotWithShape="1">
-                  <a:blip r:embed="rId2"/>
-                  <a:stretch>
-                    <a:fillRect/>
-                  </a:stretch>
-                </a:blipFill>
-              </p:spPr>
-              <p:txBody>
-                <a:bodyPr/>
-                <a:lstStyle/>
-                <a:p>
-                  <a:r>
-                    <a:rPr lang="ja-JP" altLang="en-US">
-                      <a:noFill/>
-                    </a:rPr>
-                    <a:t> </a:t>
-                  </a:r>
-                </a:p>
-              </p:txBody>
-            </p:sp>
-          </mc:Fallback>
-        </mc:AlternateContent>
-        <mc:AlternateContent xmlns:mc="http://schemas.openxmlformats.org/markup-compatibility/2006" xmlns:a14="http://schemas.microsoft.com/office/drawing/2010/main">
-          <mc:Choice Requires="a14">
-            <p:sp>
-              <p:nvSpPr>
-                <p:cNvPr id="32" name="正方形/長方形 31"/>
-                <p:cNvSpPr/>
-                <p:nvPr/>
-              </p:nvSpPr>
-              <p:spPr>
-                <a:xfrm>
-                  <a:off x="179512" y="2852936"/>
-                  <a:ext cx="3888432" cy="1440160"/>
-                </a:xfrm>
-                <a:prstGeom prst="rect">
-                  <a:avLst/>
-                </a:prstGeom>
-                <a:solidFill>
-                  <a:schemeClr val="bg1"/>
-                </a:solidFill>
-              </p:spPr>
-              <p:style>
-                <a:lnRef idx="2">
-                  <a:schemeClr val="accent1">
-                    <a:shade val="50000"/>
-                  </a:schemeClr>
-                </a:lnRef>
-                <a:fillRef idx="1">
-                  <a:schemeClr val="accent1"/>
-                </a:fillRef>
-                <a:effectRef idx="0">
-                  <a:schemeClr val="accent1"/>
-                </a:effectRef>
-                <a:fontRef idx="minor">
-                  <a:schemeClr val="lt1"/>
-                </a:fontRef>
-              </p:style>
-              <p:txBody>
-                <a:bodyPr rtlCol="0" anchor="ctr"/>
-                <a:lstStyle/>
-                <a:p>
-                  <a:pPr algn="ctr"/>
-                  <a:r>
-                    <a:rPr kumimoji="1" lang="en-US" altLang="ja-JP" dirty="0">
-                      <a:solidFill>
-                        <a:schemeClr val="tx1"/>
-                      </a:solidFill>
-                      <a:latin typeface="メイリオ" panose="020B0604030504040204" pitchFamily="50" charset="-128"/>
-                      <a:ea typeface="メイリオ" panose="020B0604030504040204" pitchFamily="50" charset="-128"/>
-                      <a:cs typeface="メイリオ" panose="020B0604030504040204" pitchFamily="50" charset="-128"/>
-                    </a:rPr>
-                    <a:t>【</a:t>
-                  </a:r>
-                  <a:r>
-                    <a:rPr kumimoji="1" lang="ja-JP" altLang="en-US" dirty="0">
-                      <a:solidFill>
-                        <a:srgbClr val="FF0000"/>
-                      </a:solidFill>
-                      <a:latin typeface="メイリオ" panose="020B0604030504040204" pitchFamily="50" charset="-128"/>
-                      <a:ea typeface="メイリオ" panose="020B0604030504040204" pitchFamily="50" charset="-128"/>
-                      <a:cs typeface="メイリオ" panose="020B0604030504040204" pitchFamily="50" charset="-128"/>
-                    </a:rPr>
-                    <a:t>正規分布</a:t>
-                  </a:r>
-                  <a:r>
-                    <a:rPr kumimoji="1" lang="en-US" altLang="ja-JP" dirty="0">
-                      <a:solidFill>
-                        <a:schemeClr val="tx1"/>
-                      </a:solidFill>
-                      <a:latin typeface="メイリオ" panose="020B0604030504040204" pitchFamily="50" charset="-128"/>
-                      <a:ea typeface="メイリオ" panose="020B0604030504040204" pitchFamily="50" charset="-128"/>
-                      <a:cs typeface="メイリオ" panose="020B0604030504040204" pitchFamily="50" charset="-128"/>
-                    </a:rPr>
-                    <a:t>】</a:t>
-                  </a:r>
-                </a:p>
-                <a:p>
-                  <a:pPr algn="ctr"/>
-                  <a:endParaRPr lang="en-US" altLang="ja-JP" dirty="0">
+                  </a:rPr>
+                  <a:t>【</a:t>
+                </a:r>
+                <a:r>
+                  <a:rPr lang="ja-JP" altLang="en-US" dirty="0">
+                    <a:solidFill>
+                      <a:srgbClr val="00B050"/>
+                    </a:solidFill>
+                    <a:latin typeface="メイリオ" panose="020B0604030504040204" pitchFamily="50" charset="-128"/>
+                    <a:ea typeface="メイリオ" panose="020B0604030504040204" pitchFamily="50" charset="-128"/>
+                    <a:cs typeface="メイリオ" panose="020B0604030504040204" pitchFamily="50" charset="-128"/>
+                  </a:rPr>
+                  <a:t>二項分布</a:t>
+                </a:r>
+                <a:r>
+                  <a:rPr lang="en-US" altLang="ja-JP" dirty="0">
                     <a:solidFill>
                       <a:schemeClr val="tx1"/>
                     </a:solidFill>
                     <a:latin typeface="メイリオ" panose="020B0604030504040204" pitchFamily="50" charset="-128"/>
                     <a:ea typeface="メイリオ" panose="020B0604030504040204" pitchFamily="50" charset="-128"/>
                     <a:cs typeface="メイリオ" panose="020B0604030504040204" pitchFamily="50" charset="-128"/>
-                  </a:endParaRPr>
-                </a:p>
-                <a:p>
-                  <a:pPr algn="ctr"/>
-                  <a:r>
-                    <a:rPr kumimoji="1" lang="ja-JP" altLang="en-US" dirty="0">
-                      <a:solidFill>
-                        <a:schemeClr val="tx1"/>
-                      </a:solidFill>
-                      <a:latin typeface="メイリオ" panose="020B0604030504040204" pitchFamily="50" charset="-128"/>
-                      <a:ea typeface="メイリオ" panose="020B0604030504040204" pitchFamily="50" charset="-128"/>
-                      <a:cs typeface="メイリオ" panose="020B0604030504040204" pitchFamily="50" charset="-128"/>
-                    </a:rPr>
-                    <a:t>標本の大きさ</a:t>
-                  </a:r>
-                  <a14:m>
-                    <m:oMath xmlns:m="http://schemas.openxmlformats.org/officeDocument/2006/math">
-                      <m:r>
-                        <a:rPr kumimoji="1" lang="en-US" altLang="ja-JP" b="0" i="1" smtClean="0">
-                          <a:solidFill>
-                            <a:schemeClr val="tx1"/>
-                          </a:solidFill>
-                          <a:latin typeface="Cambria Math"/>
-                        </a:rPr>
-                        <m:t>𝑛</m:t>
-                      </m:r>
-                    </m:oMath>
-                  </a14:m>
-                  <a:r>
-                    <a:rPr kumimoji="1" lang="ja-JP" altLang="en-US" dirty="0">
-                      <a:solidFill>
-                        <a:schemeClr val="tx1"/>
-                      </a:solidFill>
-                      <a:latin typeface="メイリオ" panose="020B0604030504040204" pitchFamily="50" charset="-128"/>
-                      <a:ea typeface="メイリオ" panose="020B0604030504040204" pitchFamily="50" charset="-128"/>
-                      <a:cs typeface="メイリオ" panose="020B0604030504040204" pitchFamily="50" charset="-128"/>
-                    </a:rPr>
-                    <a:t>が大きいときに</a:t>
-                  </a:r>
-                  <a:br>
-                    <a:rPr kumimoji="1" lang="en-US" altLang="ja-JP" dirty="0">
-                      <a:solidFill>
-                        <a:schemeClr val="tx1"/>
-                      </a:solidFill>
-                      <a:latin typeface="メイリオ" panose="020B0604030504040204" pitchFamily="50" charset="-128"/>
-                      <a:ea typeface="メイリオ" panose="020B0604030504040204" pitchFamily="50" charset="-128"/>
-                      <a:cs typeface="メイリオ" panose="020B0604030504040204" pitchFamily="50" charset="-128"/>
-                    </a:rPr>
-                  </a:br>
-                  <a:r>
-                    <a:rPr kumimoji="1" lang="ja-JP" altLang="en-US" dirty="0">
-                      <a:solidFill>
-                        <a:schemeClr val="tx1"/>
-                      </a:solidFill>
-                      <a:latin typeface="メイリオ" panose="020B0604030504040204" pitchFamily="50" charset="-128"/>
-                      <a:ea typeface="メイリオ" panose="020B0604030504040204" pitchFamily="50" charset="-128"/>
-                      <a:cs typeface="メイリオ" panose="020B0604030504040204" pitchFamily="50" charset="-128"/>
-                    </a:rPr>
-                    <a:t>和の分布は</a:t>
-                  </a:r>
-                  <a:r>
-                    <a:rPr kumimoji="1" lang="ja-JP" altLang="en-US" dirty="0">
-                      <a:solidFill>
-                        <a:srgbClr val="FF0000"/>
-                      </a:solidFill>
-                      <a:latin typeface="メイリオ" panose="020B0604030504040204" pitchFamily="50" charset="-128"/>
-                      <a:ea typeface="メイリオ" panose="020B0604030504040204" pitchFamily="50" charset="-128"/>
-                      <a:cs typeface="メイリオ" panose="020B0604030504040204" pitchFamily="50" charset="-128"/>
-                    </a:rPr>
-                    <a:t>正規分布</a:t>
-                  </a:r>
-                  <a:r>
-                    <a:rPr kumimoji="1" lang="ja-JP" altLang="en-US" dirty="0">
-                      <a:solidFill>
-                        <a:schemeClr val="tx1"/>
-                      </a:solidFill>
-                      <a:latin typeface="メイリオ" panose="020B0604030504040204" pitchFamily="50" charset="-128"/>
-                      <a:ea typeface="メイリオ" panose="020B0604030504040204" pitchFamily="50" charset="-128"/>
-                      <a:cs typeface="メイリオ" panose="020B0604030504040204" pitchFamily="50" charset="-128"/>
-                    </a:rPr>
-                    <a:t>に近似</a:t>
-                  </a:r>
-                </a:p>
-              </p:txBody>
-            </p:sp>
-          </mc:Choice>
-          <mc:Fallback xmlns="">
-            <p:sp>
-              <p:nvSpPr>
-                <p:cNvPr id="32" name="正方形/長方形 31"/>
-                <p:cNvSpPr>
-                  <a:spLocks noRot="1" noChangeAspect="1" noMove="1" noResize="1" noEditPoints="1" noAdjustHandles="1" noChangeArrowheads="1" noChangeShapeType="1" noTextEdit="1"/>
-                </p:cNvSpPr>
-                <p:nvPr/>
-              </p:nvSpPr>
-              <p:spPr>
-                <a:xfrm>
-                  <a:off x="179512" y="2852936"/>
-                  <a:ext cx="3888432" cy="1440160"/>
-                </a:xfrm>
-                <a:prstGeom prst="rect">
-                  <a:avLst/>
-                </a:prstGeom>
-                <a:blipFill rotWithShape="1">
-                  <a:blip r:embed="rId3"/>
-                  <a:stretch>
-                    <a:fillRect/>
-                  </a:stretch>
-                </a:blipFill>
-              </p:spPr>
-              <p:txBody>
-                <a:bodyPr/>
-                <a:lstStyle/>
-                <a:p>
-                  <a:r>
-                    <a:rPr lang="ja-JP" altLang="en-US">
-                      <a:noFill/>
-                    </a:rPr>
-                    <a:t> </a:t>
-                  </a:r>
-                </a:p>
-              </p:txBody>
-            </p:sp>
-          </mc:Fallback>
-        </mc:AlternateContent>
-        <p:sp>
-          <p:nvSpPr>
-            <p:cNvPr id="33" name="正方形/長方形 32"/>
-            <p:cNvSpPr/>
-            <p:nvPr/>
-          </p:nvSpPr>
-          <p:spPr>
-            <a:xfrm>
-              <a:off x="181646" y="4869160"/>
-              <a:ext cx="3888432" cy="1440160"/>
-            </a:xfrm>
-            <a:prstGeom prst="rect">
-              <a:avLst/>
-            </a:prstGeom>
-            <a:solidFill>
-              <a:schemeClr val="bg1"/>
-            </a:solidFill>
-          </p:spPr>
-          <p:style>
-            <a:lnRef idx="2">
-              <a:schemeClr val="accent1">
-                <a:shade val="50000"/>
-              </a:schemeClr>
-            </a:lnRef>
-            <a:fillRef idx="1">
-              <a:schemeClr val="accent1"/>
-            </a:fillRef>
-            <a:effectRef idx="0">
-              <a:schemeClr val="accent1"/>
-            </a:effectRef>
-            <a:fontRef idx="minor">
-              <a:schemeClr val="lt1"/>
-            </a:fontRef>
-          </p:style>
-          <p:txBody>
-            <a:bodyPr rtlCol="0" anchor="ctr"/>
-            <a:lstStyle/>
-            <a:p>
-              <a:pPr algn="ctr"/>
-              <a:r>
-                <a:rPr kumimoji="1" lang="en-US" altLang="ja-JP" dirty="0">
+                  </a:rPr>
+                  <a:t>】</a:t>
+                </a:r>
+              </a:p>
+              <a:p>
+                <a:pPr algn="ctr"/>
+                <a:endParaRPr lang="en-US" altLang="ja-JP" dirty="0">
                   <a:solidFill>
                     <a:schemeClr val="tx1"/>
                   </a:solidFill>
                   <a:latin typeface="メイリオ" panose="020B0604030504040204" pitchFamily="50" charset="-128"/>
                   <a:ea typeface="メイリオ" panose="020B0604030504040204" pitchFamily="50" charset="-128"/>
                   <a:cs typeface="メイリオ" panose="020B0604030504040204" pitchFamily="50" charset="-128"/>
-                </a:rPr>
-                <a:t>【</a:t>
-              </a:r>
-              <a:r>
-                <a:rPr kumimoji="1" lang="ja-JP" altLang="en-US" dirty="0">
-                  <a:solidFill>
-                    <a:srgbClr val="00B0F0"/>
-                  </a:solidFill>
-                  <a:latin typeface="メイリオ" panose="020B0604030504040204" pitchFamily="50" charset="-128"/>
-                  <a:ea typeface="メイリオ" panose="020B0604030504040204" pitchFamily="50" charset="-128"/>
-                  <a:cs typeface="メイリオ" panose="020B0604030504040204" pitchFamily="50" charset="-128"/>
-                </a:rPr>
-                <a:t>カイ二乗分布</a:t>
-              </a:r>
-              <a:r>
-                <a:rPr kumimoji="1" lang="en-US" altLang="ja-JP" dirty="0">
+                </a:endParaRPr>
+              </a:p>
+              <a:p>
+                <a:pPr algn="ctr"/>
+                <a:r>
+                  <a:rPr kumimoji="1" lang="ja-JP" altLang="en-US" dirty="0">
+                    <a:solidFill>
+                      <a:schemeClr val="tx1"/>
+                    </a:solidFill>
+                    <a:latin typeface="メイリオ" panose="020B0604030504040204" pitchFamily="50" charset="-128"/>
+                    <a:ea typeface="メイリオ" panose="020B0604030504040204" pitchFamily="50" charset="-128"/>
+                    <a:cs typeface="メイリオ" panose="020B0604030504040204" pitchFamily="50" charset="-128"/>
+                  </a:rPr>
+                  <a:t>標本の大きさ</a:t>
+                </a:r>
+                <a14:m>
+                  <m:oMath xmlns:m="http://schemas.openxmlformats.org/officeDocument/2006/math">
+                    <m:r>
+                      <a:rPr kumimoji="1" lang="en-US" altLang="ja-JP" b="0" i="1" smtClean="0">
+                        <a:solidFill>
+                          <a:schemeClr val="tx1"/>
+                        </a:solidFill>
+                        <a:latin typeface="Cambria Math"/>
+                      </a:rPr>
+                      <m:t>𝑛</m:t>
+                    </m:r>
+                  </m:oMath>
+                </a14:m>
+                <a:r>
+                  <a:rPr kumimoji="1" lang="ja-JP" altLang="en-US" dirty="0">
+                    <a:solidFill>
+                      <a:schemeClr val="tx1"/>
+                    </a:solidFill>
+                    <a:latin typeface="メイリオ" panose="020B0604030504040204" pitchFamily="50" charset="-128"/>
+                    <a:ea typeface="メイリオ" panose="020B0604030504040204" pitchFamily="50" charset="-128"/>
+                    <a:cs typeface="メイリオ" panose="020B0604030504040204" pitchFamily="50" charset="-128"/>
+                  </a:rPr>
+                  <a:t>が大きいときに</a:t>
+                </a:r>
+                <a:br>
+                  <a:rPr kumimoji="1" lang="en-US" altLang="ja-JP" dirty="0">
+                    <a:solidFill>
+                      <a:schemeClr val="tx1"/>
+                    </a:solidFill>
+                    <a:latin typeface="メイリオ" panose="020B0604030504040204" pitchFamily="50" charset="-128"/>
+                    <a:ea typeface="メイリオ" panose="020B0604030504040204" pitchFamily="50" charset="-128"/>
+                    <a:cs typeface="メイリオ" panose="020B0604030504040204" pitchFamily="50" charset="-128"/>
+                  </a:rPr>
+                </a:br>
+                <a:r>
+                  <a:rPr kumimoji="1" lang="ja-JP" altLang="en-US" dirty="0">
+                    <a:solidFill>
+                      <a:srgbClr val="FF0000"/>
+                    </a:solidFill>
+                    <a:latin typeface="メイリオ" panose="020B0604030504040204" pitchFamily="50" charset="-128"/>
+                    <a:ea typeface="メイリオ" panose="020B0604030504040204" pitchFamily="50" charset="-128"/>
+                    <a:cs typeface="メイリオ" panose="020B0604030504040204" pitchFamily="50" charset="-128"/>
+                  </a:rPr>
+                  <a:t>正規分布</a:t>
+                </a:r>
+                <a:r>
+                  <a:rPr kumimoji="1" lang="ja-JP" altLang="en-US" dirty="0">
+                    <a:solidFill>
+                      <a:schemeClr val="tx1"/>
+                    </a:solidFill>
+                    <a:latin typeface="メイリオ" panose="020B0604030504040204" pitchFamily="50" charset="-128"/>
+                    <a:ea typeface="メイリオ" panose="020B0604030504040204" pitchFamily="50" charset="-128"/>
+                    <a:cs typeface="メイリオ" panose="020B0604030504040204" pitchFamily="50" charset="-128"/>
+                  </a:rPr>
+                  <a:t>に近似</a:t>
+                </a:r>
+              </a:p>
+            </p:txBody>
+          </p:sp>
+        </mc:Choice>
+        <mc:Fallback>
+          <p:sp>
+            <p:nvSpPr>
+              <p:cNvPr id="31" name="正方形/長方形 30"/>
+              <p:cNvSpPr>
+                <a:spLocks noRot="1" noChangeAspect="1" noMove="1" noResize="1" noEditPoints="1" noAdjustHandles="1" noChangeArrowheads="1" noChangeShapeType="1" noTextEdit="1"/>
+              </p:cNvSpPr>
+              <p:nvPr/>
+            </p:nvSpPr>
+            <p:spPr>
+              <a:xfrm>
+                <a:off x="181646" y="836712"/>
+                <a:ext cx="3888432" cy="1440160"/>
+              </a:xfrm>
+              <a:prstGeom prst="rect">
+                <a:avLst/>
+              </a:prstGeom>
+              <a:blipFill>
+                <a:blip r:embed="rId2"/>
+                <a:stretch>
+                  <a:fillRect/>
+                </a:stretch>
+              </a:blipFill>
+            </p:spPr>
+            <p:txBody>
+              <a:bodyPr/>
+              <a:lstStyle/>
+              <a:p>
+                <a:r>
+                  <a:rPr lang="en-JP">
+                    <a:noFill/>
+                  </a:rPr>
+                  <a:t> </a:t>
+                </a:r>
+              </a:p>
+            </p:txBody>
+          </p:sp>
+        </mc:Fallback>
+      </mc:AlternateContent>
+      <mc:AlternateContent xmlns:mc="http://schemas.openxmlformats.org/markup-compatibility/2006">
+        <mc:Choice xmlns:a14="http://schemas.microsoft.com/office/drawing/2010/main" Requires="a14">
+          <p:sp>
+            <p:nvSpPr>
+              <p:cNvPr id="32" name="正方形/長方形 31"/>
+              <p:cNvSpPr/>
+              <p:nvPr/>
+            </p:nvSpPr>
+            <p:spPr>
+              <a:xfrm>
+                <a:off x="179512" y="2852936"/>
+                <a:ext cx="3888432" cy="1440160"/>
+              </a:xfrm>
+              <a:prstGeom prst="rect">
+                <a:avLst/>
+              </a:prstGeom>
+              <a:solidFill>
+                <a:schemeClr val="bg1"/>
+              </a:solidFill>
+            </p:spPr>
+            <p:style>
+              <a:lnRef idx="2">
+                <a:schemeClr val="accent1">
+                  <a:shade val="50000"/>
+                </a:schemeClr>
+              </a:lnRef>
+              <a:fillRef idx="1">
+                <a:schemeClr val="accent1"/>
+              </a:fillRef>
+              <a:effectRef idx="0">
+                <a:schemeClr val="accent1"/>
+              </a:effectRef>
+              <a:fontRef idx="minor">
+                <a:schemeClr val="lt1"/>
+              </a:fontRef>
+            </p:style>
+            <p:txBody>
+              <a:bodyPr rtlCol="0" anchor="ctr"/>
+              <a:lstStyle/>
+              <a:p>
+                <a:pPr algn="ctr"/>
+                <a:r>
+                  <a:rPr kumimoji="1" lang="en-US" altLang="ja-JP" dirty="0">
+                    <a:solidFill>
+                      <a:schemeClr val="tx1"/>
+                    </a:solidFill>
+                    <a:latin typeface="メイリオ" panose="020B0604030504040204" pitchFamily="50" charset="-128"/>
+                    <a:ea typeface="メイリオ" panose="020B0604030504040204" pitchFamily="50" charset="-128"/>
+                    <a:cs typeface="メイリオ" panose="020B0604030504040204" pitchFamily="50" charset="-128"/>
+                  </a:rPr>
+                  <a:t>【</a:t>
+                </a:r>
+                <a:r>
+                  <a:rPr kumimoji="1" lang="ja-JP" altLang="en-US" dirty="0">
+                    <a:solidFill>
+                      <a:srgbClr val="FF0000"/>
+                    </a:solidFill>
+                    <a:latin typeface="メイリオ" panose="020B0604030504040204" pitchFamily="50" charset="-128"/>
+                    <a:ea typeface="メイリオ" panose="020B0604030504040204" pitchFamily="50" charset="-128"/>
+                    <a:cs typeface="メイリオ" panose="020B0604030504040204" pitchFamily="50" charset="-128"/>
+                  </a:rPr>
+                  <a:t>正規分布</a:t>
+                </a:r>
+                <a:r>
+                  <a:rPr kumimoji="1" lang="en-US" altLang="ja-JP" dirty="0">
+                    <a:solidFill>
+                      <a:schemeClr val="tx1"/>
+                    </a:solidFill>
+                    <a:latin typeface="メイリオ" panose="020B0604030504040204" pitchFamily="50" charset="-128"/>
+                    <a:ea typeface="メイリオ" panose="020B0604030504040204" pitchFamily="50" charset="-128"/>
+                    <a:cs typeface="メイリオ" panose="020B0604030504040204" pitchFamily="50" charset="-128"/>
+                  </a:rPr>
+                  <a:t>】</a:t>
+                </a:r>
+              </a:p>
+              <a:p>
+                <a:pPr algn="ctr"/>
+                <a:endParaRPr lang="en-US" altLang="ja-JP" dirty="0">
                   <a:solidFill>
                     <a:schemeClr val="tx1"/>
                   </a:solidFill>
                   <a:latin typeface="メイリオ" panose="020B0604030504040204" pitchFamily="50" charset="-128"/>
                   <a:ea typeface="メイリオ" panose="020B0604030504040204" pitchFamily="50" charset="-128"/>
                   <a:cs typeface="メイリオ" panose="020B0604030504040204" pitchFamily="50" charset="-128"/>
-                </a:rPr>
-                <a:t>】</a:t>
-              </a:r>
-            </a:p>
-            <a:p>
-              <a:pPr algn="ctr"/>
-              <a:endParaRPr lang="en-US" altLang="ja-JP" dirty="0">
+                </a:endParaRPr>
+              </a:p>
+              <a:p>
+                <a:pPr algn="ctr"/>
+                <a:r>
+                  <a:rPr kumimoji="1" lang="ja-JP" altLang="en-US" dirty="0">
+                    <a:solidFill>
+                      <a:schemeClr val="tx1"/>
+                    </a:solidFill>
+                    <a:latin typeface="メイリオ" panose="020B0604030504040204" pitchFamily="50" charset="-128"/>
+                    <a:ea typeface="メイリオ" panose="020B0604030504040204" pitchFamily="50" charset="-128"/>
+                    <a:cs typeface="メイリオ" panose="020B0604030504040204" pitchFamily="50" charset="-128"/>
+                  </a:rPr>
+                  <a:t>標本の大きさ</a:t>
+                </a:r>
+                <a14:m>
+                  <m:oMath xmlns:m="http://schemas.openxmlformats.org/officeDocument/2006/math">
+                    <m:r>
+                      <a:rPr kumimoji="1" lang="en-US" altLang="ja-JP" b="0" i="1" smtClean="0">
+                        <a:solidFill>
+                          <a:schemeClr val="tx1"/>
+                        </a:solidFill>
+                        <a:latin typeface="Cambria Math"/>
+                      </a:rPr>
+                      <m:t>𝑛</m:t>
+                    </m:r>
+                  </m:oMath>
+                </a14:m>
+                <a:r>
+                  <a:rPr kumimoji="1" lang="ja-JP" altLang="en-US" dirty="0">
+                    <a:solidFill>
+                      <a:schemeClr val="tx1"/>
+                    </a:solidFill>
+                    <a:latin typeface="メイリオ" panose="020B0604030504040204" pitchFamily="50" charset="-128"/>
+                    <a:ea typeface="メイリオ" panose="020B0604030504040204" pitchFamily="50" charset="-128"/>
+                    <a:cs typeface="メイリオ" panose="020B0604030504040204" pitchFamily="50" charset="-128"/>
+                  </a:rPr>
+                  <a:t>が大きいときに</a:t>
+                </a:r>
+                <a:br>
+                  <a:rPr kumimoji="1" lang="en-US" altLang="ja-JP" dirty="0">
+                    <a:solidFill>
+                      <a:schemeClr val="tx1"/>
+                    </a:solidFill>
+                    <a:latin typeface="メイリオ" panose="020B0604030504040204" pitchFamily="50" charset="-128"/>
+                    <a:ea typeface="メイリオ" panose="020B0604030504040204" pitchFamily="50" charset="-128"/>
+                    <a:cs typeface="メイリオ" panose="020B0604030504040204" pitchFamily="50" charset="-128"/>
+                  </a:rPr>
+                </a:br>
+                <a:r>
+                  <a:rPr kumimoji="1" lang="ja-JP" altLang="en-US" dirty="0">
+                    <a:solidFill>
+                      <a:schemeClr val="tx1"/>
+                    </a:solidFill>
+                    <a:latin typeface="メイリオ" panose="020B0604030504040204" pitchFamily="50" charset="-128"/>
+                    <a:ea typeface="メイリオ" panose="020B0604030504040204" pitchFamily="50" charset="-128"/>
+                    <a:cs typeface="メイリオ" panose="020B0604030504040204" pitchFamily="50" charset="-128"/>
+                  </a:rPr>
+                  <a:t>和の分布は</a:t>
+                </a:r>
+                <a:r>
+                  <a:rPr kumimoji="1" lang="ja-JP" altLang="en-US" dirty="0">
+                    <a:solidFill>
+                      <a:srgbClr val="FF0000"/>
+                    </a:solidFill>
+                    <a:latin typeface="メイリオ" panose="020B0604030504040204" pitchFamily="50" charset="-128"/>
+                    <a:ea typeface="メイリオ" panose="020B0604030504040204" pitchFamily="50" charset="-128"/>
+                    <a:cs typeface="メイリオ" panose="020B0604030504040204" pitchFamily="50" charset="-128"/>
+                  </a:rPr>
+                  <a:t>正規分布</a:t>
+                </a:r>
+                <a:r>
+                  <a:rPr kumimoji="1" lang="ja-JP" altLang="en-US" dirty="0">
+                    <a:solidFill>
+                      <a:schemeClr val="tx1"/>
+                    </a:solidFill>
+                    <a:latin typeface="メイリオ" panose="020B0604030504040204" pitchFamily="50" charset="-128"/>
+                    <a:ea typeface="メイリオ" panose="020B0604030504040204" pitchFamily="50" charset="-128"/>
+                    <a:cs typeface="メイリオ" panose="020B0604030504040204" pitchFamily="50" charset="-128"/>
+                  </a:rPr>
+                  <a:t>に近似</a:t>
+                </a:r>
+              </a:p>
+            </p:txBody>
+          </p:sp>
+        </mc:Choice>
+        <mc:Fallback>
+          <p:sp>
+            <p:nvSpPr>
+              <p:cNvPr id="32" name="正方形/長方形 31"/>
+              <p:cNvSpPr>
+                <a:spLocks noRot="1" noChangeAspect="1" noMove="1" noResize="1" noEditPoints="1" noAdjustHandles="1" noChangeArrowheads="1" noChangeShapeType="1" noTextEdit="1"/>
+              </p:cNvSpPr>
+              <p:nvPr/>
+            </p:nvSpPr>
+            <p:spPr>
+              <a:xfrm>
+                <a:off x="179512" y="2852936"/>
+                <a:ext cx="3888432" cy="1440160"/>
+              </a:xfrm>
+              <a:prstGeom prst="rect">
+                <a:avLst/>
+              </a:prstGeom>
+              <a:blipFill>
+                <a:blip r:embed="rId3"/>
+                <a:stretch>
+                  <a:fillRect/>
+                </a:stretch>
+              </a:blipFill>
+            </p:spPr>
+            <p:txBody>
+              <a:bodyPr/>
+              <a:lstStyle/>
+              <a:p>
+                <a:r>
+                  <a:rPr lang="en-JP">
+                    <a:noFill/>
+                  </a:rPr>
+                  <a:t> </a:t>
+                </a:r>
+              </a:p>
+            </p:txBody>
+          </p:sp>
+        </mc:Fallback>
+      </mc:AlternateContent>
+      <p:sp>
+        <p:nvSpPr>
+          <p:cNvPr id="33" name="正方形/長方形 32"/>
+          <p:cNvSpPr/>
+          <p:nvPr/>
+        </p:nvSpPr>
+        <p:spPr>
+          <a:xfrm>
+            <a:off x="181646" y="4869160"/>
+            <a:ext cx="3888432" cy="1440160"/>
+          </a:xfrm>
+          <a:prstGeom prst="rect">
+            <a:avLst/>
+          </a:prstGeom>
+          <a:solidFill>
+            <a:schemeClr val="bg1"/>
+          </a:solidFill>
+        </p:spPr>
+        <p:style>
+          <a:lnRef idx="2">
+            <a:schemeClr val="accent1">
+              <a:shade val="50000"/>
+            </a:schemeClr>
+          </a:lnRef>
+          <a:fillRef idx="1">
+            <a:schemeClr val="accent1"/>
+          </a:fillRef>
+          <a:effectRef idx="0">
+            <a:schemeClr val="accent1"/>
+          </a:effectRef>
+          <a:fontRef idx="minor">
+            <a:schemeClr val="lt1"/>
+          </a:fontRef>
+        </p:style>
+        <p:txBody>
+          <a:bodyPr rtlCol="0" anchor="ctr"/>
+          <a:lstStyle/>
+          <a:p>
+            <a:pPr algn="ctr"/>
+            <a:r>
+              <a:rPr kumimoji="1" lang="en-US" altLang="ja-JP" dirty="0">
                 <a:solidFill>
                   <a:schemeClr val="tx1"/>
                 </a:solidFill>
                 <a:latin typeface="メイリオ" panose="020B0604030504040204" pitchFamily="50" charset="-128"/>
                 <a:ea typeface="メイリオ" panose="020B0604030504040204" pitchFamily="50" charset="-128"/>
                 <a:cs typeface="メイリオ" panose="020B0604030504040204" pitchFamily="50" charset="-128"/>
-              </a:endParaRPr>
-            </a:p>
-            <a:p>
-              <a:pPr algn="ctr"/>
-              <a:r>
-                <a:rPr kumimoji="1" lang="ja-JP" altLang="en-US" dirty="0">
-                  <a:solidFill>
-                    <a:schemeClr val="tx1"/>
-                  </a:solidFill>
-                  <a:latin typeface="メイリオ" panose="020B0604030504040204" pitchFamily="50" charset="-128"/>
-                  <a:ea typeface="メイリオ" panose="020B0604030504040204" pitchFamily="50" charset="-128"/>
-                  <a:cs typeface="メイリオ" panose="020B0604030504040204" pitchFamily="50" charset="-128"/>
-                </a:rPr>
-                <a:t>標準</a:t>
-              </a:r>
-              <a:r>
-                <a:rPr kumimoji="1" lang="ja-JP" altLang="en-US" dirty="0">
-                  <a:solidFill>
-                    <a:srgbClr val="FF0000"/>
-                  </a:solidFill>
-                  <a:latin typeface="メイリオ" panose="020B0604030504040204" pitchFamily="50" charset="-128"/>
-                  <a:ea typeface="メイリオ" panose="020B0604030504040204" pitchFamily="50" charset="-128"/>
-                  <a:cs typeface="メイリオ" panose="020B0604030504040204" pitchFamily="50" charset="-128"/>
-                </a:rPr>
-                <a:t>正規分布</a:t>
-              </a:r>
-              <a:r>
-                <a:rPr kumimoji="1" lang="ja-JP" altLang="en-US" dirty="0">
-                  <a:solidFill>
-                    <a:schemeClr val="tx1"/>
-                  </a:solidFill>
-                  <a:latin typeface="メイリオ" panose="020B0604030504040204" pitchFamily="50" charset="-128"/>
-                  <a:ea typeface="メイリオ" panose="020B0604030504040204" pitchFamily="50" charset="-128"/>
-                  <a:cs typeface="メイリオ" panose="020B0604030504040204" pitchFamily="50" charset="-128"/>
-                </a:rPr>
-                <a:t>にしたがう統計量の</a:t>
-              </a:r>
-              <a:br>
-                <a:rPr kumimoji="1" lang="en-US" altLang="ja-JP" dirty="0">
-                  <a:solidFill>
-                    <a:schemeClr val="tx1"/>
-                  </a:solidFill>
-                  <a:latin typeface="メイリオ" panose="020B0604030504040204" pitchFamily="50" charset="-128"/>
-                  <a:ea typeface="メイリオ" panose="020B0604030504040204" pitchFamily="50" charset="-128"/>
-                  <a:cs typeface="メイリオ" panose="020B0604030504040204" pitchFamily="50" charset="-128"/>
-                </a:rPr>
-              </a:br>
-              <a:r>
-                <a:rPr kumimoji="1" lang="ja-JP" altLang="en-US" dirty="0">
-                  <a:solidFill>
-                    <a:schemeClr val="tx1"/>
-                  </a:solidFill>
-                  <a:latin typeface="メイリオ" panose="020B0604030504040204" pitchFamily="50" charset="-128"/>
-                  <a:ea typeface="メイリオ" panose="020B0604030504040204" pitchFamily="50" charset="-128"/>
-                  <a:cs typeface="メイリオ" panose="020B0604030504040204" pitchFamily="50" charset="-128"/>
-                </a:rPr>
-                <a:t>平方和に関する確率分布</a:t>
-              </a:r>
-            </a:p>
-          </p:txBody>
-        </p:sp>
-        <p:sp>
-          <p:nvSpPr>
-            <p:cNvPr id="34" name="正方形/長方形 33"/>
-            <p:cNvSpPr/>
-            <p:nvPr/>
-          </p:nvSpPr>
-          <p:spPr>
-            <a:xfrm>
-              <a:off x="4860032" y="4725144"/>
-              <a:ext cx="3888432" cy="1584176"/>
-            </a:xfrm>
-            <a:prstGeom prst="rect">
-              <a:avLst/>
-            </a:prstGeom>
-            <a:solidFill>
-              <a:schemeClr val="bg1"/>
-            </a:solidFill>
-          </p:spPr>
-          <p:style>
-            <a:lnRef idx="2">
-              <a:schemeClr val="accent1">
-                <a:shade val="50000"/>
-              </a:schemeClr>
-            </a:lnRef>
-            <a:fillRef idx="1">
-              <a:schemeClr val="accent1"/>
-            </a:fillRef>
-            <a:effectRef idx="0">
-              <a:schemeClr val="accent1"/>
-            </a:effectRef>
-            <a:fontRef idx="minor">
-              <a:schemeClr val="lt1"/>
-            </a:fontRef>
-          </p:style>
-          <p:txBody>
-            <a:bodyPr rtlCol="0" anchor="ctr"/>
-            <a:lstStyle/>
-            <a:p>
-              <a:pPr algn="ctr"/>
-              <a:r>
-                <a:rPr kumimoji="1" lang="en-US" altLang="ja-JP" dirty="0">
-                  <a:solidFill>
-                    <a:schemeClr val="tx1"/>
-                  </a:solidFill>
-                  <a:latin typeface="メイリオ" panose="020B0604030504040204" pitchFamily="50" charset="-128"/>
-                  <a:ea typeface="メイリオ" panose="020B0604030504040204" pitchFamily="50" charset="-128"/>
-                  <a:cs typeface="メイリオ" panose="020B0604030504040204" pitchFamily="50" charset="-128"/>
-                </a:rPr>
-                <a:t>【</a:t>
-              </a:r>
-              <a:r>
-                <a:rPr kumimoji="1" lang="en-US" altLang="ja-JP" dirty="0">
-                  <a:solidFill>
-                    <a:srgbClr val="7030A0"/>
-                  </a:solidFill>
-                  <a:latin typeface="メイリオ" panose="020B0604030504040204" pitchFamily="50" charset="-128"/>
-                  <a:ea typeface="メイリオ" panose="020B0604030504040204" pitchFamily="50" charset="-128"/>
-                  <a:cs typeface="メイリオ" panose="020B0604030504040204" pitchFamily="50" charset="-128"/>
-                </a:rPr>
-                <a:t>F</a:t>
-              </a:r>
-              <a:r>
-                <a:rPr kumimoji="1" lang="ja-JP" altLang="en-US" dirty="0">
-                  <a:solidFill>
-                    <a:srgbClr val="7030A0"/>
-                  </a:solidFill>
-                  <a:latin typeface="メイリオ" panose="020B0604030504040204" pitchFamily="50" charset="-128"/>
-                  <a:ea typeface="メイリオ" panose="020B0604030504040204" pitchFamily="50" charset="-128"/>
-                  <a:cs typeface="メイリオ" panose="020B0604030504040204" pitchFamily="50" charset="-128"/>
-                </a:rPr>
-                <a:t>分布</a:t>
-              </a:r>
-              <a:r>
-                <a:rPr kumimoji="1" lang="en-US" altLang="ja-JP" dirty="0">
-                  <a:solidFill>
-                    <a:schemeClr val="tx1"/>
-                  </a:solidFill>
-                  <a:latin typeface="メイリオ" panose="020B0604030504040204" pitchFamily="50" charset="-128"/>
-                  <a:ea typeface="メイリオ" panose="020B0604030504040204" pitchFamily="50" charset="-128"/>
-                  <a:cs typeface="メイリオ" panose="020B0604030504040204" pitchFamily="50" charset="-128"/>
-                </a:rPr>
-                <a:t>】</a:t>
-              </a:r>
-            </a:p>
-            <a:p>
-              <a:pPr algn="ctr"/>
-              <a:endParaRPr lang="en-US" altLang="ja-JP" dirty="0">
+              </a:rPr>
+              <a:t>【</a:t>
+            </a:r>
+            <a:r>
+              <a:rPr kumimoji="1" lang="ja-JP" altLang="en-US" dirty="0">
+                <a:solidFill>
+                  <a:srgbClr val="00B0F0"/>
+                </a:solidFill>
+                <a:latin typeface="メイリオ" panose="020B0604030504040204" pitchFamily="50" charset="-128"/>
+                <a:ea typeface="メイリオ" panose="020B0604030504040204" pitchFamily="50" charset="-128"/>
+                <a:cs typeface="メイリオ" panose="020B0604030504040204" pitchFamily="50" charset="-128"/>
+              </a:rPr>
+              <a:t>カイ二乗分布</a:t>
+            </a:r>
+            <a:r>
+              <a:rPr kumimoji="1" lang="en-US" altLang="ja-JP" dirty="0">
                 <a:solidFill>
                   <a:schemeClr val="tx1"/>
                 </a:solidFill>
                 <a:latin typeface="メイリオ" panose="020B0604030504040204" pitchFamily="50" charset="-128"/>
                 <a:ea typeface="メイリオ" panose="020B0604030504040204" pitchFamily="50" charset="-128"/>
                 <a:cs typeface="メイリオ" panose="020B0604030504040204" pitchFamily="50" charset="-128"/>
-              </a:endParaRPr>
-            </a:p>
-            <a:p>
-              <a:pPr algn="ctr"/>
-              <a:r>
-                <a:rPr lang="ja-JP" altLang="en-US" dirty="0">
-                  <a:solidFill>
-                    <a:srgbClr val="00B0F0"/>
-                  </a:solidFill>
-                  <a:latin typeface="メイリオ" panose="020B0604030504040204" pitchFamily="50" charset="-128"/>
-                  <a:ea typeface="メイリオ" panose="020B0604030504040204" pitchFamily="50" charset="-128"/>
-                  <a:cs typeface="メイリオ" panose="020B0604030504040204" pitchFamily="50" charset="-128"/>
-                </a:rPr>
-                <a:t>カイ二乗分布</a:t>
-              </a:r>
-              <a:r>
-                <a:rPr lang="ja-JP" altLang="en-US" dirty="0">
-                  <a:solidFill>
-                    <a:schemeClr val="tx1"/>
-                  </a:solidFill>
-                  <a:latin typeface="メイリオ" panose="020B0604030504040204" pitchFamily="50" charset="-128"/>
-                  <a:ea typeface="メイリオ" panose="020B0604030504040204" pitchFamily="50" charset="-128"/>
-                  <a:cs typeface="メイリオ" panose="020B0604030504040204" pitchFamily="50" charset="-128"/>
-                </a:rPr>
-                <a:t>にしたがう統計量</a:t>
-              </a:r>
-              <a:br>
-                <a:rPr lang="en-US" altLang="ja-JP" dirty="0">
-                  <a:solidFill>
-                    <a:schemeClr val="tx1"/>
-                  </a:solidFill>
-                  <a:latin typeface="メイリオ" panose="020B0604030504040204" pitchFamily="50" charset="-128"/>
-                  <a:ea typeface="メイリオ" panose="020B0604030504040204" pitchFamily="50" charset="-128"/>
-                  <a:cs typeface="メイリオ" panose="020B0604030504040204" pitchFamily="50" charset="-128"/>
-                </a:rPr>
-              </a:br>
-              <a:r>
-                <a:rPr lang="ja-JP" altLang="en-US" dirty="0">
-                  <a:solidFill>
-                    <a:schemeClr val="tx1"/>
-                  </a:solidFill>
-                  <a:latin typeface="メイリオ" panose="020B0604030504040204" pitchFamily="50" charset="-128"/>
-                  <a:ea typeface="メイリオ" panose="020B0604030504040204" pitchFamily="50" charset="-128"/>
-                  <a:cs typeface="メイリオ" panose="020B0604030504040204" pitchFamily="50" charset="-128"/>
-                </a:rPr>
-                <a:t>（互いに独立）の</a:t>
-              </a:r>
-              <a:br>
-                <a:rPr lang="en-US" altLang="ja-JP" dirty="0">
-                  <a:solidFill>
-                    <a:schemeClr val="tx1"/>
-                  </a:solidFill>
-                  <a:latin typeface="メイリオ" panose="020B0604030504040204" pitchFamily="50" charset="-128"/>
-                  <a:ea typeface="メイリオ" panose="020B0604030504040204" pitchFamily="50" charset="-128"/>
-                  <a:cs typeface="メイリオ" panose="020B0604030504040204" pitchFamily="50" charset="-128"/>
-                </a:rPr>
-              </a:br>
-              <a:r>
-                <a:rPr lang="ja-JP" altLang="en-US" dirty="0">
-                  <a:solidFill>
-                    <a:schemeClr val="tx1"/>
-                  </a:solidFill>
-                  <a:latin typeface="メイリオ" panose="020B0604030504040204" pitchFamily="50" charset="-128"/>
-                  <a:ea typeface="メイリオ" panose="020B0604030504040204" pitchFamily="50" charset="-128"/>
-                  <a:cs typeface="メイリオ" panose="020B0604030504040204" pitchFamily="50" charset="-128"/>
-                </a:rPr>
-                <a:t>比に関する確率分布</a:t>
-              </a:r>
-              <a:endParaRPr kumimoji="1" lang="ja-JP" altLang="en-US" dirty="0">
+              </a:rPr>
+              <a:t>】</a:t>
+            </a:r>
+          </a:p>
+          <a:p>
+            <a:pPr algn="ctr"/>
+            <a:endParaRPr lang="en-US" altLang="ja-JP" dirty="0">
+              <a:solidFill>
+                <a:schemeClr val="tx1"/>
+              </a:solidFill>
+              <a:latin typeface="メイリオ" panose="020B0604030504040204" pitchFamily="50" charset="-128"/>
+              <a:ea typeface="メイリオ" panose="020B0604030504040204" pitchFamily="50" charset="-128"/>
+              <a:cs typeface="メイリオ" panose="020B0604030504040204" pitchFamily="50" charset="-128"/>
+            </a:endParaRPr>
+          </a:p>
+          <a:p>
+            <a:pPr algn="ctr"/>
+            <a:r>
+              <a:rPr kumimoji="1" lang="ja-JP" altLang="en-US" dirty="0">
                 <a:solidFill>
                   <a:schemeClr val="tx1"/>
                 </a:solidFill>
                 <a:latin typeface="メイリオ" panose="020B0604030504040204" pitchFamily="50" charset="-128"/>
                 <a:ea typeface="メイリオ" panose="020B0604030504040204" pitchFamily="50" charset="-128"/>
                 <a:cs typeface="メイリオ" panose="020B0604030504040204" pitchFamily="50" charset="-128"/>
-              </a:endParaRPr>
-            </a:p>
-          </p:txBody>
-        </p:sp>
-        <p:sp>
-          <p:nvSpPr>
-            <p:cNvPr id="35" name="正方形/長方形 34"/>
-            <p:cNvSpPr/>
-            <p:nvPr/>
-          </p:nvSpPr>
-          <p:spPr>
-            <a:xfrm>
-              <a:off x="4860032" y="2276872"/>
-              <a:ext cx="3888432" cy="2016224"/>
-            </a:xfrm>
-            <a:prstGeom prst="rect">
-              <a:avLst/>
-            </a:prstGeom>
-            <a:solidFill>
-              <a:schemeClr val="bg1"/>
-            </a:solidFill>
-          </p:spPr>
-          <p:style>
-            <a:lnRef idx="2">
-              <a:schemeClr val="accent1">
-                <a:shade val="50000"/>
-              </a:schemeClr>
-            </a:lnRef>
-            <a:fillRef idx="1">
-              <a:schemeClr val="accent1"/>
-            </a:fillRef>
-            <a:effectRef idx="0">
-              <a:schemeClr val="accent1"/>
-            </a:effectRef>
-            <a:fontRef idx="minor">
-              <a:schemeClr val="lt1"/>
-            </a:fontRef>
-          </p:style>
-          <p:txBody>
-            <a:bodyPr rtlCol="0" anchor="ctr"/>
-            <a:lstStyle/>
-            <a:p>
-              <a:pPr algn="ctr"/>
-              <a:r>
-                <a:rPr lang="en-US" altLang="ja-JP" dirty="0">
-                  <a:solidFill>
-                    <a:schemeClr val="tx1"/>
-                  </a:solidFill>
-                  <a:latin typeface="メイリオ" panose="020B0604030504040204" pitchFamily="50" charset="-128"/>
-                  <a:ea typeface="メイリオ" panose="020B0604030504040204" pitchFamily="50" charset="-128"/>
-                  <a:cs typeface="メイリオ" panose="020B0604030504040204" pitchFamily="50" charset="-128"/>
-                </a:rPr>
-                <a:t>【</a:t>
-              </a:r>
-              <a:r>
-                <a:rPr lang="en-US" altLang="ja-JP" dirty="0">
-                  <a:solidFill>
-                    <a:schemeClr val="accent6"/>
-                  </a:solidFill>
-                  <a:latin typeface="メイリオ" panose="020B0604030504040204" pitchFamily="50" charset="-128"/>
-                  <a:ea typeface="メイリオ" panose="020B0604030504040204" pitchFamily="50" charset="-128"/>
-                  <a:cs typeface="メイリオ" panose="020B0604030504040204" pitchFamily="50" charset="-128"/>
-                </a:rPr>
-                <a:t>t</a:t>
-              </a:r>
-              <a:r>
-                <a:rPr lang="ja-JP" altLang="en-US" dirty="0">
-                  <a:solidFill>
-                    <a:schemeClr val="accent6"/>
-                  </a:solidFill>
-                  <a:latin typeface="メイリオ" panose="020B0604030504040204" pitchFamily="50" charset="-128"/>
-                  <a:ea typeface="メイリオ" panose="020B0604030504040204" pitchFamily="50" charset="-128"/>
-                  <a:cs typeface="メイリオ" panose="020B0604030504040204" pitchFamily="50" charset="-128"/>
-                </a:rPr>
-                <a:t>分布</a:t>
-              </a:r>
-              <a:r>
-                <a:rPr lang="en-US" altLang="ja-JP" dirty="0">
-                  <a:solidFill>
-                    <a:schemeClr val="tx1"/>
-                  </a:solidFill>
-                  <a:latin typeface="メイリオ" panose="020B0604030504040204" pitchFamily="50" charset="-128"/>
-                  <a:ea typeface="メイリオ" panose="020B0604030504040204" pitchFamily="50" charset="-128"/>
-                  <a:cs typeface="メイリオ" panose="020B0604030504040204" pitchFamily="50" charset="-128"/>
-                </a:rPr>
-                <a:t>】</a:t>
-              </a:r>
-            </a:p>
-            <a:p>
-              <a:pPr algn="ctr"/>
-              <a:endParaRPr kumimoji="1" lang="en-US" altLang="ja-JP" dirty="0">
+              </a:rPr>
+              <a:t>標準</a:t>
+            </a:r>
+            <a:r>
+              <a:rPr kumimoji="1" lang="ja-JP" altLang="en-US" dirty="0">
+                <a:solidFill>
+                  <a:srgbClr val="FF0000"/>
+                </a:solidFill>
+                <a:latin typeface="メイリオ" panose="020B0604030504040204" pitchFamily="50" charset="-128"/>
+                <a:ea typeface="メイリオ" panose="020B0604030504040204" pitchFamily="50" charset="-128"/>
+                <a:cs typeface="メイリオ" panose="020B0604030504040204" pitchFamily="50" charset="-128"/>
+              </a:rPr>
+              <a:t>正規分布</a:t>
+            </a:r>
+            <a:r>
+              <a:rPr kumimoji="1" lang="ja-JP" altLang="en-US" dirty="0">
                 <a:solidFill>
                   <a:schemeClr val="tx1"/>
                 </a:solidFill>
                 <a:latin typeface="メイリオ" panose="020B0604030504040204" pitchFamily="50" charset="-128"/>
                 <a:ea typeface="メイリオ" panose="020B0604030504040204" pitchFamily="50" charset="-128"/>
                 <a:cs typeface="メイリオ" panose="020B0604030504040204" pitchFamily="50" charset="-128"/>
-              </a:endParaRPr>
-            </a:p>
-            <a:p>
-              <a:pPr algn="ctr"/>
-              <a:r>
-                <a:rPr lang="ja-JP" altLang="en-US" dirty="0">
-                  <a:solidFill>
-                    <a:schemeClr val="tx1"/>
-                  </a:solidFill>
-                  <a:latin typeface="メイリオ" panose="020B0604030504040204" pitchFamily="50" charset="-128"/>
-                  <a:ea typeface="メイリオ" panose="020B0604030504040204" pitchFamily="50" charset="-128"/>
-                  <a:cs typeface="メイリオ" panose="020B0604030504040204" pitchFamily="50" charset="-128"/>
-                </a:rPr>
-                <a:t>標準</a:t>
-              </a:r>
-              <a:r>
-                <a:rPr lang="ja-JP" altLang="en-US" dirty="0">
-                  <a:solidFill>
-                    <a:srgbClr val="FF0000"/>
-                  </a:solidFill>
-                  <a:latin typeface="メイリオ" panose="020B0604030504040204" pitchFamily="50" charset="-128"/>
-                  <a:ea typeface="メイリオ" panose="020B0604030504040204" pitchFamily="50" charset="-128"/>
-                  <a:cs typeface="メイリオ" panose="020B0604030504040204" pitchFamily="50" charset="-128"/>
-                </a:rPr>
-                <a:t>正規分布</a:t>
-              </a:r>
-              <a:r>
-                <a:rPr lang="ja-JP" altLang="en-US" dirty="0">
-                  <a:solidFill>
-                    <a:schemeClr val="tx1"/>
-                  </a:solidFill>
-                  <a:latin typeface="メイリオ" panose="020B0604030504040204" pitchFamily="50" charset="-128"/>
-                  <a:ea typeface="メイリオ" panose="020B0604030504040204" pitchFamily="50" charset="-128"/>
-                  <a:cs typeface="メイリオ" panose="020B0604030504040204" pitchFamily="50" charset="-128"/>
-                </a:rPr>
-                <a:t>にしたがう統計量と</a:t>
-              </a:r>
-              <a:br>
-                <a:rPr lang="en-US" altLang="ja-JP" dirty="0">
-                  <a:solidFill>
-                    <a:schemeClr val="tx1"/>
-                  </a:solidFill>
-                  <a:latin typeface="メイリオ" panose="020B0604030504040204" pitchFamily="50" charset="-128"/>
-                  <a:ea typeface="メイリオ" panose="020B0604030504040204" pitchFamily="50" charset="-128"/>
-                  <a:cs typeface="メイリオ" panose="020B0604030504040204" pitchFamily="50" charset="-128"/>
-                </a:rPr>
-              </a:br>
-              <a:r>
-                <a:rPr lang="ja-JP" altLang="en-US" dirty="0">
-                  <a:solidFill>
-                    <a:srgbClr val="00B0F0"/>
-                  </a:solidFill>
-                  <a:latin typeface="メイリオ" panose="020B0604030504040204" pitchFamily="50" charset="-128"/>
-                  <a:ea typeface="メイリオ" panose="020B0604030504040204" pitchFamily="50" charset="-128"/>
-                  <a:cs typeface="メイリオ" panose="020B0604030504040204" pitchFamily="50" charset="-128"/>
-                </a:rPr>
-                <a:t>カイ二乗分布</a:t>
-              </a:r>
-              <a:r>
-                <a:rPr lang="ja-JP" altLang="en-US" dirty="0">
-                  <a:solidFill>
-                    <a:schemeClr val="tx1"/>
-                  </a:solidFill>
-                  <a:latin typeface="メイリオ" panose="020B0604030504040204" pitchFamily="50" charset="-128"/>
-                  <a:ea typeface="メイリオ" panose="020B0604030504040204" pitchFamily="50" charset="-128"/>
-                  <a:cs typeface="メイリオ" panose="020B0604030504040204" pitchFamily="50" charset="-128"/>
-                </a:rPr>
-                <a:t>にしたがう統計量</a:t>
-              </a:r>
-              <a:br>
-                <a:rPr lang="en-US" altLang="ja-JP" dirty="0">
-                  <a:solidFill>
-                    <a:schemeClr val="tx1"/>
-                  </a:solidFill>
-                  <a:latin typeface="メイリオ" panose="020B0604030504040204" pitchFamily="50" charset="-128"/>
-                  <a:ea typeface="メイリオ" panose="020B0604030504040204" pitchFamily="50" charset="-128"/>
-                  <a:cs typeface="メイリオ" panose="020B0604030504040204" pitchFamily="50" charset="-128"/>
-                </a:rPr>
-              </a:br>
-              <a:r>
-                <a:rPr lang="ja-JP" altLang="en-US" dirty="0">
-                  <a:solidFill>
-                    <a:schemeClr val="tx1"/>
-                  </a:solidFill>
-                  <a:latin typeface="メイリオ" panose="020B0604030504040204" pitchFamily="50" charset="-128"/>
-                  <a:ea typeface="メイリオ" panose="020B0604030504040204" pitchFamily="50" charset="-128"/>
-                  <a:cs typeface="メイリオ" panose="020B0604030504040204" pitchFamily="50" charset="-128"/>
-                </a:rPr>
-                <a:t>（互いに独立）の</a:t>
-              </a:r>
-              <a:br>
-                <a:rPr lang="en-US" altLang="ja-JP" dirty="0">
-                  <a:solidFill>
-                    <a:schemeClr val="tx1"/>
-                  </a:solidFill>
-                  <a:latin typeface="メイリオ" panose="020B0604030504040204" pitchFamily="50" charset="-128"/>
-                  <a:ea typeface="メイリオ" panose="020B0604030504040204" pitchFamily="50" charset="-128"/>
-                  <a:cs typeface="メイリオ" panose="020B0604030504040204" pitchFamily="50" charset="-128"/>
-                </a:rPr>
-              </a:br>
-              <a:r>
-                <a:rPr lang="ja-JP" altLang="en-US" dirty="0">
-                  <a:solidFill>
-                    <a:schemeClr val="tx1"/>
-                  </a:solidFill>
-                  <a:latin typeface="メイリオ" panose="020B0604030504040204" pitchFamily="50" charset="-128"/>
-                  <a:ea typeface="メイリオ" panose="020B0604030504040204" pitchFamily="50" charset="-128"/>
-                  <a:cs typeface="メイリオ" panose="020B0604030504040204" pitchFamily="50" charset="-128"/>
-                </a:rPr>
-                <a:t>比に関する確率分布</a:t>
-              </a:r>
-              <a:endParaRPr kumimoji="1" lang="ja-JP" altLang="en-US" dirty="0">
+              </a:rPr>
+              <a:t>にしたがう統計量の</a:t>
+            </a:r>
+            <a:br>
+              <a:rPr kumimoji="1" lang="en-US" altLang="ja-JP" dirty="0">
                 <a:solidFill>
                   <a:schemeClr val="tx1"/>
                 </a:solidFill>
                 <a:latin typeface="メイリオ" panose="020B0604030504040204" pitchFamily="50" charset="-128"/>
                 <a:ea typeface="メイリオ" panose="020B0604030504040204" pitchFamily="50" charset="-128"/>
                 <a:cs typeface="メイリオ" panose="020B0604030504040204" pitchFamily="50" charset="-128"/>
-              </a:endParaRPr>
-            </a:p>
-          </p:txBody>
-        </p:sp>
-        <p:sp>
-          <p:nvSpPr>
-            <p:cNvPr id="36" name="正方形/長方形 35"/>
-            <p:cNvSpPr/>
-            <p:nvPr/>
-          </p:nvSpPr>
-          <p:spPr>
-            <a:xfrm>
-              <a:off x="3491880" y="188640"/>
-              <a:ext cx="2592288" cy="1224136"/>
-            </a:xfrm>
-            <a:prstGeom prst="rect">
-              <a:avLst/>
-            </a:prstGeom>
-            <a:solidFill>
-              <a:schemeClr val="bg1"/>
-            </a:solidFill>
-          </p:spPr>
-          <p:style>
-            <a:lnRef idx="2">
-              <a:schemeClr val="accent1">
-                <a:shade val="50000"/>
-              </a:schemeClr>
-            </a:lnRef>
-            <a:fillRef idx="1">
-              <a:schemeClr val="accent1"/>
-            </a:fillRef>
-            <a:effectRef idx="0">
-              <a:schemeClr val="accent1"/>
-            </a:effectRef>
-            <a:fontRef idx="minor">
-              <a:schemeClr val="lt1"/>
-            </a:fontRef>
-          </p:style>
-          <p:txBody>
-            <a:bodyPr rtlCol="0" anchor="ctr"/>
-            <a:lstStyle/>
-            <a:p>
-              <a:pPr algn="ctr"/>
-              <a:r>
-                <a:rPr lang="en-US" altLang="ja-JP" dirty="0">
-                  <a:solidFill>
-                    <a:schemeClr val="tx1"/>
-                  </a:solidFill>
-                  <a:latin typeface="メイリオ" panose="020B0604030504040204" pitchFamily="50" charset="-128"/>
-                  <a:ea typeface="メイリオ" panose="020B0604030504040204" pitchFamily="50" charset="-128"/>
-                  <a:cs typeface="メイリオ" panose="020B0604030504040204" pitchFamily="50" charset="-128"/>
-                </a:rPr>
-                <a:t>【</a:t>
-              </a:r>
-              <a:r>
-                <a:rPr lang="ja-JP" altLang="en-US" dirty="0">
-                  <a:solidFill>
-                    <a:schemeClr val="tx1"/>
-                  </a:solidFill>
-                  <a:latin typeface="メイリオ" panose="020B0604030504040204" pitchFamily="50" charset="-128"/>
-                  <a:ea typeface="メイリオ" panose="020B0604030504040204" pitchFamily="50" charset="-128"/>
-                  <a:cs typeface="メイリオ" panose="020B0604030504040204" pitchFamily="50" charset="-128"/>
-                </a:rPr>
-                <a:t>ポアソン分布</a:t>
-              </a:r>
-              <a:r>
-                <a:rPr lang="en-US" altLang="ja-JP" dirty="0">
-                  <a:solidFill>
-                    <a:schemeClr val="tx1"/>
-                  </a:solidFill>
-                  <a:latin typeface="メイリオ" panose="020B0604030504040204" pitchFamily="50" charset="-128"/>
-                  <a:ea typeface="メイリオ" panose="020B0604030504040204" pitchFamily="50" charset="-128"/>
-                  <a:cs typeface="メイリオ" panose="020B0604030504040204" pitchFamily="50" charset="-128"/>
-                </a:rPr>
-                <a:t>】</a:t>
-              </a:r>
-            </a:p>
-            <a:p>
-              <a:pPr algn="ctr"/>
-              <a:endParaRPr lang="en-US" altLang="ja-JP" dirty="0">
+              </a:rPr>
+            </a:br>
+            <a:r>
+              <a:rPr kumimoji="1" lang="ja-JP" altLang="en-US" dirty="0">
                 <a:solidFill>
                   <a:schemeClr val="tx1"/>
                 </a:solidFill>
                 <a:latin typeface="メイリオ" panose="020B0604030504040204" pitchFamily="50" charset="-128"/>
                 <a:ea typeface="メイリオ" panose="020B0604030504040204" pitchFamily="50" charset="-128"/>
                 <a:cs typeface="メイリオ" panose="020B0604030504040204" pitchFamily="50" charset="-128"/>
-              </a:endParaRPr>
-            </a:p>
-            <a:p>
-              <a:pPr algn="ctr"/>
-              <a:r>
-                <a:rPr lang="ja-JP" altLang="en-US" dirty="0">
-                  <a:solidFill>
-                    <a:srgbClr val="00B050"/>
-                  </a:solidFill>
-                  <a:latin typeface="メイリオ" panose="020B0604030504040204" pitchFamily="50" charset="-128"/>
-                  <a:ea typeface="メイリオ" panose="020B0604030504040204" pitchFamily="50" charset="-128"/>
-                  <a:cs typeface="メイリオ" panose="020B0604030504040204" pitchFamily="50" charset="-128"/>
-                </a:rPr>
-                <a:t>二項分布</a:t>
-              </a:r>
-              <a:r>
-                <a:rPr lang="ja-JP" altLang="en-US" dirty="0">
-                  <a:solidFill>
-                    <a:schemeClr val="tx1"/>
-                  </a:solidFill>
-                  <a:latin typeface="メイリオ" panose="020B0604030504040204" pitchFamily="50" charset="-128"/>
-                  <a:ea typeface="メイリオ" panose="020B0604030504040204" pitchFamily="50" charset="-128"/>
-                  <a:cs typeface="メイリオ" panose="020B0604030504040204" pitchFamily="50" charset="-128"/>
-                </a:rPr>
-                <a:t>のひとつ</a:t>
-              </a:r>
-              <a:br>
-                <a:rPr lang="en-US" altLang="ja-JP" dirty="0">
-                  <a:solidFill>
-                    <a:schemeClr val="tx1"/>
-                  </a:solidFill>
-                  <a:latin typeface="メイリオ" panose="020B0604030504040204" pitchFamily="50" charset="-128"/>
-                  <a:ea typeface="メイリオ" panose="020B0604030504040204" pitchFamily="50" charset="-128"/>
-                  <a:cs typeface="メイリオ" panose="020B0604030504040204" pitchFamily="50" charset="-128"/>
-                </a:rPr>
-              </a:br>
-              <a:r>
-                <a:rPr lang="ja-JP" altLang="en-US" dirty="0">
-                  <a:solidFill>
-                    <a:schemeClr val="tx1"/>
-                  </a:solidFill>
-                  <a:latin typeface="メイリオ" panose="020B0604030504040204" pitchFamily="50" charset="-128"/>
-                  <a:ea typeface="メイリオ" panose="020B0604030504040204" pitchFamily="50" charset="-128"/>
-                  <a:cs typeface="メイリオ" panose="020B0604030504040204" pitchFamily="50" charset="-128"/>
-                </a:rPr>
-                <a:t>期待値＝分散</a:t>
-              </a:r>
-              <a:endParaRPr kumimoji="1" lang="ja-JP" altLang="en-US" dirty="0">
+              </a:rPr>
+              <a:t>平方和に関する確率分布</a:t>
+            </a:r>
+          </a:p>
+        </p:txBody>
+      </p:sp>
+      <p:sp>
+        <p:nvSpPr>
+          <p:cNvPr id="34" name="正方形/長方形 33"/>
+          <p:cNvSpPr/>
+          <p:nvPr/>
+        </p:nvSpPr>
+        <p:spPr>
+          <a:xfrm>
+            <a:off x="4860032" y="4725144"/>
+            <a:ext cx="3888432" cy="1584176"/>
+          </a:xfrm>
+          <a:prstGeom prst="rect">
+            <a:avLst/>
+          </a:prstGeom>
+          <a:solidFill>
+            <a:schemeClr val="bg1"/>
+          </a:solidFill>
+        </p:spPr>
+        <p:style>
+          <a:lnRef idx="2">
+            <a:schemeClr val="accent1">
+              <a:shade val="50000"/>
+            </a:schemeClr>
+          </a:lnRef>
+          <a:fillRef idx="1">
+            <a:schemeClr val="accent1"/>
+          </a:fillRef>
+          <a:effectRef idx="0">
+            <a:schemeClr val="accent1"/>
+          </a:effectRef>
+          <a:fontRef idx="minor">
+            <a:schemeClr val="lt1"/>
+          </a:fontRef>
+        </p:style>
+        <p:txBody>
+          <a:bodyPr rtlCol="0" anchor="ctr"/>
+          <a:lstStyle/>
+          <a:p>
+            <a:pPr algn="ctr"/>
+            <a:r>
+              <a:rPr kumimoji="1" lang="en-US" altLang="ja-JP" dirty="0">
                 <a:solidFill>
                   <a:schemeClr val="tx1"/>
                 </a:solidFill>
                 <a:latin typeface="メイリオ" panose="020B0604030504040204" pitchFamily="50" charset="-128"/>
                 <a:ea typeface="メイリオ" panose="020B0604030504040204" pitchFamily="50" charset="-128"/>
                 <a:cs typeface="メイリオ" panose="020B0604030504040204" pitchFamily="50" charset="-128"/>
-              </a:endParaRPr>
-            </a:p>
-          </p:txBody>
-        </p:sp>
-      </p:grpSp>
+              </a:rPr>
+              <a:t>【</a:t>
+            </a:r>
+            <a:r>
+              <a:rPr kumimoji="1" lang="en-US" altLang="ja-JP" dirty="0">
+                <a:solidFill>
+                  <a:srgbClr val="7030A0"/>
+                </a:solidFill>
+                <a:latin typeface="メイリオ" panose="020B0604030504040204" pitchFamily="50" charset="-128"/>
+                <a:ea typeface="メイリオ" panose="020B0604030504040204" pitchFamily="50" charset="-128"/>
+                <a:cs typeface="メイリオ" panose="020B0604030504040204" pitchFamily="50" charset="-128"/>
+              </a:rPr>
+              <a:t>F</a:t>
+            </a:r>
+            <a:r>
+              <a:rPr kumimoji="1" lang="ja-JP" altLang="en-US" dirty="0">
+                <a:solidFill>
+                  <a:srgbClr val="7030A0"/>
+                </a:solidFill>
+                <a:latin typeface="メイリオ" panose="020B0604030504040204" pitchFamily="50" charset="-128"/>
+                <a:ea typeface="メイリオ" panose="020B0604030504040204" pitchFamily="50" charset="-128"/>
+                <a:cs typeface="メイリオ" panose="020B0604030504040204" pitchFamily="50" charset="-128"/>
+              </a:rPr>
+              <a:t>分布</a:t>
+            </a:r>
+            <a:r>
+              <a:rPr kumimoji="1" lang="en-US" altLang="ja-JP" dirty="0">
+                <a:solidFill>
+                  <a:schemeClr val="tx1"/>
+                </a:solidFill>
+                <a:latin typeface="メイリオ" panose="020B0604030504040204" pitchFamily="50" charset="-128"/>
+                <a:ea typeface="メイリオ" panose="020B0604030504040204" pitchFamily="50" charset="-128"/>
+                <a:cs typeface="メイリオ" panose="020B0604030504040204" pitchFamily="50" charset="-128"/>
+              </a:rPr>
+              <a:t>】</a:t>
+            </a:r>
+          </a:p>
+          <a:p>
+            <a:pPr algn="ctr"/>
+            <a:endParaRPr lang="en-US" altLang="ja-JP" dirty="0">
+              <a:solidFill>
+                <a:schemeClr val="tx1"/>
+              </a:solidFill>
+              <a:latin typeface="メイリオ" panose="020B0604030504040204" pitchFamily="50" charset="-128"/>
+              <a:ea typeface="メイリオ" panose="020B0604030504040204" pitchFamily="50" charset="-128"/>
+              <a:cs typeface="メイリオ" panose="020B0604030504040204" pitchFamily="50" charset="-128"/>
+            </a:endParaRPr>
+          </a:p>
+          <a:p>
+            <a:pPr algn="ctr"/>
+            <a:r>
+              <a:rPr lang="ja-JP" altLang="en-US" dirty="0">
+                <a:solidFill>
+                  <a:srgbClr val="00B0F0"/>
+                </a:solidFill>
+                <a:latin typeface="メイリオ" panose="020B0604030504040204" pitchFamily="50" charset="-128"/>
+                <a:ea typeface="メイリオ" panose="020B0604030504040204" pitchFamily="50" charset="-128"/>
+                <a:cs typeface="メイリオ" panose="020B0604030504040204" pitchFamily="50" charset="-128"/>
+              </a:rPr>
+              <a:t>カイ二乗分布</a:t>
+            </a:r>
+            <a:r>
+              <a:rPr lang="ja-JP" altLang="en-US" dirty="0">
+                <a:solidFill>
+                  <a:schemeClr val="tx1"/>
+                </a:solidFill>
+                <a:latin typeface="メイリオ" panose="020B0604030504040204" pitchFamily="50" charset="-128"/>
+                <a:ea typeface="メイリオ" panose="020B0604030504040204" pitchFamily="50" charset="-128"/>
+                <a:cs typeface="メイリオ" panose="020B0604030504040204" pitchFamily="50" charset="-128"/>
+              </a:rPr>
+              <a:t>にしたがう統計量</a:t>
+            </a:r>
+            <a:br>
+              <a:rPr lang="en-US" altLang="ja-JP" dirty="0">
+                <a:solidFill>
+                  <a:schemeClr val="tx1"/>
+                </a:solidFill>
+                <a:latin typeface="メイリオ" panose="020B0604030504040204" pitchFamily="50" charset="-128"/>
+                <a:ea typeface="メイリオ" panose="020B0604030504040204" pitchFamily="50" charset="-128"/>
+                <a:cs typeface="メイリオ" panose="020B0604030504040204" pitchFamily="50" charset="-128"/>
+              </a:rPr>
+            </a:br>
+            <a:r>
+              <a:rPr lang="ja-JP" altLang="en-US" dirty="0">
+                <a:solidFill>
+                  <a:schemeClr val="tx1"/>
+                </a:solidFill>
+                <a:latin typeface="メイリオ" panose="020B0604030504040204" pitchFamily="50" charset="-128"/>
+                <a:ea typeface="メイリオ" panose="020B0604030504040204" pitchFamily="50" charset="-128"/>
+                <a:cs typeface="メイリオ" panose="020B0604030504040204" pitchFamily="50" charset="-128"/>
+              </a:rPr>
+              <a:t>（互いに独立）の</a:t>
+            </a:r>
+            <a:br>
+              <a:rPr lang="en-US" altLang="ja-JP" dirty="0">
+                <a:solidFill>
+                  <a:schemeClr val="tx1"/>
+                </a:solidFill>
+                <a:latin typeface="メイリオ" panose="020B0604030504040204" pitchFamily="50" charset="-128"/>
+                <a:ea typeface="メイリオ" panose="020B0604030504040204" pitchFamily="50" charset="-128"/>
+                <a:cs typeface="メイリオ" panose="020B0604030504040204" pitchFamily="50" charset="-128"/>
+              </a:rPr>
+            </a:br>
+            <a:r>
+              <a:rPr lang="ja-JP" altLang="en-US" dirty="0">
+                <a:solidFill>
+                  <a:schemeClr val="tx1"/>
+                </a:solidFill>
+                <a:latin typeface="メイリオ" panose="020B0604030504040204" pitchFamily="50" charset="-128"/>
+                <a:ea typeface="メイリオ" panose="020B0604030504040204" pitchFamily="50" charset="-128"/>
+                <a:cs typeface="メイリオ" panose="020B0604030504040204" pitchFamily="50" charset="-128"/>
+              </a:rPr>
+              <a:t>比に関する確率分布</a:t>
+            </a:r>
+            <a:endParaRPr kumimoji="1" lang="ja-JP" altLang="en-US" dirty="0">
+              <a:solidFill>
+                <a:schemeClr val="tx1"/>
+              </a:solidFill>
+              <a:latin typeface="メイリオ" panose="020B0604030504040204" pitchFamily="50" charset="-128"/>
+              <a:ea typeface="メイリオ" panose="020B0604030504040204" pitchFamily="50" charset="-128"/>
+              <a:cs typeface="メイリオ" panose="020B0604030504040204" pitchFamily="50" charset="-128"/>
+            </a:endParaRPr>
+          </a:p>
+        </p:txBody>
+      </p:sp>
+      <p:sp>
+        <p:nvSpPr>
+          <p:cNvPr id="35" name="正方形/長方形 34"/>
+          <p:cNvSpPr/>
+          <p:nvPr/>
+        </p:nvSpPr>
+        <p:spPr>
+          <a:xfrm>
+            <a:off x="4860032" y="2276872"/>
+            <a:ext cx="3888432" cy="2016224"/>
+          </a:xfrm>
+          <a:prstGeom prst="rect">
+            <a:avLst/>
+          </a:prstGeom>
+          <a:solidFill>
+            <a:schemeClr val="bg1"/>
+          </a:solidFill>
+        </p:spPr>
+        <p:style>
+          <a:lnRef idx="2">
+            <a:schemeClr val="accent1">
+              <a:shade val="50000"/>
+            </a:schemeClr>
+          </a:lnRef>
+          <a:fillRef idx="1">
+            <a:schemeClr val="accent1"/>
+          </a:fillRef>
+          <a:effectRef idx="0">
+            <a:schemeClr val="accent1"/>
+          </a:effectRef>
+          <a:fontRef idx="minor">
+            <a:schemeClr val="lt1"/>
+          </a:fontRef>
+        </p:style>
+        <p:txBody>
+          <a:bodyPr rtlCol="0" anchor="ctr"/>
+          <a:lstStyle/>
+          <a:p>
+            <a:pPr algn="ctr"/>
+            <a:r>
+              <a:rPr lang="en-US" altLang="ja-JP" dirty="0">
+                <a:solidFill>
+                  <a:schemeClr val="tx1"/>
+                </a:solidFill>
+                <a:latin typeface="メイリオ" panose="020B0604030504040204" pitchFamily="50" charset="-128"/>
+                <a:ea typeface="メイリオ" panose="020B0604030504040204" pitchFamily="50" charset="-128"/>
+                <a:cs typeface="メイリオ" panose="020B0604030504040204" pitchFamily="50" charset="-128"/>
+              </a:rPr>
+              <a:t>【</a:t>
+            </a:r>
+            <a:r>
+              <a:rPr lang="en-US" altLang="ja-JP" dirty="0">
+                <a:solidFill>
+                  <a:schemeClr val="accent6"/>
+                </a:solidFill>
+                <a:latin typeface="メイリオ" panose="020B0604030504040204" pitchFamily="50" charset="-128"/>
+                <a:ea typeface="メイリオ" panose="020B0604030504040204" pitchFamily="50" charset="-128"/>
+                <a:cs typeface="メイリオ" panose="020B0604030504040204" pitchFamily="50" charset="-128"/>
+              </a:rPr>
+              <a:t>t</a:t>
+            </a:r>
+            <a:r>
+              <a:rPr lang="ja-JP" altLang="en-US" dirty="0">
+                <a:solidFill>
+                  <a:schemeClr val="accent6"/>
+                </a:solidFill>
+                <a:latin typeface="メイリオ" panose="020B0604030504040204" pitchFamily="50" charset="-128"/>
+                <a:ea typeface="メイリオ" panose="020B0604030504040204" pitchFamily="50" charset="-128"/>
+                <a:cs typeface="メイリオ" panose="020B0604030504040204" pitchFamily="50" charset="-128"/>
+              </a:rPr>
+              <a:t>分布</a:t>
+            </a:r>
+            <a:r>
+              <a:rPr lang="en-US" altLang="ja-JP" dirty="0">
+                <a:solidFill>
+                  <a:schemeClr val="tx1"/>
+                </a:solidFill>
+                <a:latin typeface="メイリオ" panose="020B0604030504040204" pitchFamily="50" charset="-128"/>
+                <a:ea typeface="メイリオ" panose="020B0604030504040204" pitchFamily="50" charset="-128"/>
+                <a:cs typeface="メイリオ" panose="020B0604030504040204" pitchFamily="50" charset="-128"/>
+              </a:rPr>
+              <a:t>】</a:t>
+            </a:r>
+          </a:p>
+          <a:p>
+            <a:pPr algn="ctr"/>
+            <a:endParaRPr kumimoji="1" lang="en-US" altLang="ja-JP" dirty="0">
+              <a:solidFill>
+                <a:schemeClr val="tx1"/>
+              </a:solidFill>
+              <a:latin typeface="メイリオ" panose="020B0604030504040204" pitchFamily="50" charset="-128"/>
+              <a:ea typeface="メイリオ" panose="020B0604030504040204" pitchFamily="50" charset="-128"/>
+              <a:cs typeface="メイリオ" panose="020B0604030504040204" pitchFamily="50" charset="-128"/>
+            </a:endParaRPr>
+          </a:p>
+          <a:p>
+            <a:pPr algn="ctr"/>
+            <a:r>
+              <a:rPr lang="ja-JP" altLang="en-US" dirty="0">
+                <a:solidFill>
+                  <a:schemeClr val="tx1"/>
+                </a:solidFill>
+                <a:latin typeface="メイリオ" panose="020B0604030504040204" pitchFamily="50" charset="-128"/>
+                <a:ea typeface="メイリオ" panose="020B0604030504040204" pitchFamily="50" charset="-128"/>
+                <a:cs typeface="メイリオ" panose="020B0604030504040204" pitchFamily="50" charset="-128"/>
+              </a:rPr>
+              <a:t>標準</a:t>
+            </a:r>
+            <a:r>
+              <a:rPr lang="ja-JP" altLang="en-US" dirty="0">
+                <a:solidFill>
+                  <a:srgbClr val="FF0000"/>
+                </a:solidFill>
+                <a:latin typeface="メイリオ" panose="020B0604030504040204" pitchFamily="50" charset="-128"/>
+                <a:ea typeface="メイリオ" panose="020B0604030504040204" pitchFamily="50" charset="-128"/>
+                <a:cs typeface="メイリオ" panose="020B0604030504040204" pitchFamily="50" charset="-128"/>
+              </a:rPr>
+              <a:t>正規分布</a:t>
+            </a:r>
+            <a:r>
+              <a:rPr lang="ja-JP" altLang="en-US" dirty="0">
+                <a:solidFill>
+                  <a:schemeClr val="tx1"/>
+                </a:solidFill>
+                <a:latin typeface="メイリオ" panose="020B0604030504040204" pitchFamily="50" charset="-128"/>
+                <a:ea typeface="メイリオ" panose="020B0604030504040204" pitchFamily="50" charset="-128"/>
+                <a:cs typeface="メイリオ" panose="020B0604030504040204" pitchFamily="50" charset="-128"/>
+              </a:rPr>
+              <a:t>にしたがう統計量と</a:t>
+            </a:r>
+            <a:br>
+              <a:rPr lang="en-US" altLang="ja-JP" dirty="0">
+                <a:solidFill>
+                  <a:schemeClr val="tx1"/>
+                </a:solidFill>
+                <a:latin typeface="メイリオ" panose="020B0604030504040204" pitchFamily="50" charset="-128"/>
+                <a:ea typeface="メイリオ" panose="020B0604030504040204" pitchFamily="50" charset="-128"/>
+                <a:cs typeface="メイリオ" panose="020B0604030504040204" pitchFamily="50" charset="-128"/>
+              </a:rPr>
+            </a:br>
+            <a:r>
+              <a:rPr lang="ja-JP" altLang="en-US" dirty="0">
+                <a:solidFill>
+                  <a:srgbClr val="00B0F0"/>
+                </a:solidFill>
+                <a:latin typeface="メイリオ" panose="020B0604030504040204" pitchFamily="50" charset="-128"/>
+                <a:ea typeface="メイリオ" panose="020B0604030504040204" pitchFamily="50" charset="-128"/>
+                <a:cs typeface="メイリオ" panose="020B0604030504040204" pitchFamily="50" charset="-128"/>
+              </a:rPr>
+              <a:t>カイ二乗分布</a:t>
+            </a:r>
+            <a:r>
+              <a:rPr lang="ja-JP" altLang="en-US" dirty="0">
+                <a:solidFill>
+                  <a:schemeClr val="tx1"/>
+                </a:solidFill>
+                <a:latin typeface="メイリオ" panose="020B0604030504040204" pitchFamily="50" charset="-128"/>
+                <a:ea typeface="メイリオ" panose="020B0604030504040204" pitchFamily="50" charset="-128"/>
+                <a:cs typeface="メイリオ" panose="020B0604030504040204" pitchFamily="50" charset="-128"/>
+              </a:rPr>
+              <a:t>にしたがう統計量</a:t>
+            </a:r>
+            <a:br>
+              <a:rPr lang="en-US" altLang="ja-JP" dirty="0">
+                <a:solidFill>
+                  <a:schemeClr val="tx1"/>
+                </a:solidFill>
+                <a:latin typeface="メイリオ" panose="020B0604030504040204" pitchFamily="50" charset="-128"/>
+                <a:ea typeface="メイリオ" panose="020B0604030504040204" pitchFamily="50" charset="-128"/>
+                <a:cs typeface="メイリオ" panose="020B0604030504040204" pitchFamily="50" charset="-128"/>
+              </a:rPr>
+            </a:br>
+            <a:r>
+              <a:rPr lang="ja-JP" altLang="en-US" dirty="0">
+                <a:solidFill>
+                  <a:schemeClr val="tx1"/>
+                </a:solidFill>
+                <a:latin typeface="メイリオ" panose="020B0604030504040204" pitchFamily="50" charset="-128"/>
+                <a:ea typeface="メイリオ" panose="020B0604030504040204" pitchFamily="50" charset="-128"/>
+                <a:cs typeface="メイリオ" panose="020B0604030504040204" pitchFamily="50" charset="-128"/>
+              </a:rPr>
+              <a:t>（互いに独立）の</a:t>
+            </a:r>
+            <a:br>
+              <a:rPr lang="en-US" altLang="ja-JP" dirty="0">
+                <a:solidFill>
+                  <a:schemeClr val="tx1"/>
+                </a:solidFill>
+                <a:latin typeface="メイリオ" panose="020B0604030504040204" pitchFamily="50" charset="-128"/>
+                <a:ea typeface="メイリオ" panose="020B0604030504040204" pitchFamily="50" charset="-128"/>
+                <a:cs typeface="メイリオ" panose="020B0604030504040204" pitchFamily="50" charset="-128"/>
+              </a:rPr>
+            </a:br>
+            <a:r>
+              <a:rPr lang="ja-JP" altLang="en-US" dirty="0">
+                <a:solidFill>
+                  <a:schemeClr val="tx1"/>
+                </a:solidFill>
+                <a:latin typeface="メイリオ" panose="020B0604030504040204" pitchFamily="50" charset="-128"/>
+                <a:ea typeface="メイリオ" panose="020B0604030504040204" pitchFamily="50" charset="-128"/>
+                <a:cs typeface="メイリオ" panose="020B0604030504040204" pitchFamily="50" charset="-128"/>
+              </a:rPr>
+              <a:t>比に関する確率分布</a:t>
+            </a:r>
+            <a:endParaRPr kumimoji="1" lang="ja-JP" altLang="en-US" dirty="0">
+              <a:solidFill>
+                <a:schemeClr val="tx1"/>
+              </a:solidFill>
+              <a:latin typeface="メイリオ" panose="020B0604030504040204" pitchFamily="50" charset="-128"/>
+              <a:ea typeface="メイリオ" panose="020B0604030504040204" pitchFamily="50" charset="-128"/>
+              <a:cs typeface="メイリオ" panose="020B0604030504040204" pitchFamily="50" charset="-128"/>
+            </a:endParaRPr>
+          </a:p>
+        </p:txBody>
+      </p:sp>
+      <p:sp>
+        <p:nvSpPr>
+          <p:cNvPr id="36" name="正方形/長方形 35"/>
+          <p:cNvSpPr/>
+          <p:nvPr/>
+        </p:nvSpPr>
+        <p:spPr>
+          <a:xfrm>
+            <a:off x="4860030" y="836712"/>
+            <a:ext cx="2592288" cy="1224136"/>
+          </a:xfrm>
+          <a:prstGeom prst="rect">
+            <a:avLst/>
+          </a:prstGeom>
+          <a:solidFill>
+            <a:schemeClr val="bg1"/>
+          </a:solidFill>
+        </p:spPr>
+        <p:style>
+          <a:lnRef idx="2">
+            <a:schemeClr val="accent1">
+              <a:shade val="50000"/>
+            </a:schemeClr>
+          </a:lnRef>
+          <a:fillRef idx="1">
+            <a:schemeClr val="accent1"/>
+          </a:fillRef>
+          <a:effectRef idx="0">
+            <a:schemeClr val="accent1"/>
+          </a:effectRef>
+          <a:fontRef idx="minor">
+            <a:schemeClr val="lt1"/>
+          </a:fontRef>
+        </p:style>
+        <p:txBody>
+          <a:bodyPr rtlCol="0" anchor="ctr"/>
+          <a:lstStyle/>
+          <a:p>
+            <a:pPr algn="ctr"/>
+            <a:r>
+              <a:rPr lang="en-US" altLang="ja-JP" dirty="0">
+                <a:solidFill>
+                  <a:schemeClr val="tx1"/>
+                </a:solidFill>
+                <a:latin typeface="メイリオ" panose="020B0604030504040204" pitchFamily="50" charset="-128"/>
+                <a:ea typeface="メイリオ" panose="020B0604030504040204" pitchFamily="50" charset="-128"/>
+                <a:cs typeface="メイリオ" panose="020B0604030504040204" pitchFamily="50" charset="-128"/>
+              </a:rPr>
+              <a:t>【</a:t>
+            </a:r>
+            <a:r>
+              <a:rPr lang="ja-JP" altLang="en-US" dirty="0">
+                <a:solidFill>
+                  <a:schemeClr val="tx1"/>
+                </a:solidFill>
+                <a:latin typeface="メイリオ" panose="020B0604030504040204" pitchFamily="50" charset="-128"/>
+                <a:ea typeface="メイリオ" panose="020B0604030504040204" pitchFamily="50" charset="-128"/>
+                <a:cs typeface="メイリオ" panose="020B0604030504040204" pitchFamily="50" charset="-128"/>
+              </a:rPr>
+              <a:t>ポアソン分布</a:t>
+            </a:r>
+            <a:r>
+              <a:rPr lang="en-US" altLang="ja-JP" dirty="0">
+                <a:solidFill>
+                  <a:schemeClr val="tx1"/>
+                </a:solidFill>
+                <a:latin typeface="メイリオ" panose="020B0604030504040204" pitchFamily="50" charset="-128"/>
+                <a:ea typeface="メイリオ" panose="020B0604030504040204" pitchFamily="50" charset="-128"/>
+                <a:cs typeface="メイリオ" panose="020B0604030504040204" pitchFamily="50" charset="-128"/>
+              </a:rPr>
+              <a:t>】</a:t>
+            </a:r>
+          </a:p>
+          <a:p>
+            <a:pPr algn="ctr"/>
+            <a:endParaRPr lang="en-US" altLang="ja-JP" dirty="0">
+              <a:solidFill>
+                <a:schemeClr val="tx1"/>
+              </a:solidFill>
+              <a:latin typeface="メイリオ" panose="020B0604030504040204" pitchFamily="50" charset="-128"/>
+              <a:ea typeface="メイリオ" panose="020B0604030504040204" pitchFamily="50" charset="-128"/>
+              <a:cs typeface="メイリオ" panose="020B0604030504040204" pitchFamily="50" charset="-128"/>
+            </a:endParaRPr>
+          </a:p>
+          <a:p>
+            <a:pPr algn="ctr"/>
+            <a:r>
+              <a:rPr lang="ja-JP" altLang="en-US" dirty="0">
+                <a:solidFill>
+                  <a:srgbClr val="00B050"/>
+                </a:solidFill>
+                <a:latin typeface="メイリオ" panose="020B0604030504040204" pitchFamily="50" charset="-128"/>
+                <a:ea typeface="メイリオ" panose="020B0604030504040204" pitchFamily="50" charset="-128"/>
+                <a:cs typeface="メイリオ" panose="020B0604030504040204" pitchFamily="50" charset="-128"/>
+              </a:rPr>
+              <a:t>二項分布</a:t>
+            </a:r>
+            <a:r>
+              <a:rPr lang="ja-JP" altLang="en-US" dirty="0">
+                <a:solidFill>
+                  <a:schemeClr val="tx1"/>
+                </a:solidFill>
+                <a:latin typeface="メイリオ" panose="020B0604030504040204" pitchFamily="50" charset="-128"/>
+                <a:ea typeface="メイリオ" panose="020B0604030504040204" pitchFamily="50" charset="-128"/>
+                <a:cs typeface="メイリオ" panose="020B0604030504040204" pitchFamily="50" charset="-128"/>
+              </a:rPr>
+              <a:t>のひとつ</a:t>
+            </a:r>
+            <a:br>
+              <a:rPr lang="en-US" altLang="ja-JP" dirty="0">
+                <a:solidFill>
+                  <a:schemeClr val="tx1"/>
+                </a:solidFill>
+                <a:latin typeface="メイリオ" panose="020B0604030504040204" pitchFamily="50" charset="-128"/>
+                <a:ea typeface="メイリオ" panose="020B0604030504040204" pitchFamily="50" charset="-128"/>
+                <a:cs typeface="メイリオ" panose="020B0604030504040204" pitchFamily="50" charset="-128"/>
+              </a:rPr>
+            </a:br>
+            <a:r>
+              <a:rPr lang="ja-JP" altLang="en-US" dirty="0">
+                <a:solidFill>
+                  <a:schemeClr val="tx1"/>
+                </a:solidFill>
+                <a:latin typeface="メイリオ" panose="020B0604030504040204" pitchFamily="50" charset="-128"/>
+                <a:ea typeface="メイリオ" panose="020B0604030504040204" pitchFamily="50" charset="-128"/>
+                <a:cs typeface="メイリオ" panose="020B0604030504040204" pitchFamily="50" charset="-128"/>
+              </a:rPr>
+              <a:t>期待値＝分散</a:t>
+            </a:r>
+            <a:endParaRPr kumimoji="1" lang="ja-JP" altLang="en-US" dirty="0">
+              <a:solidFill>
+                <a:schemeClr val="tx1"/>
+              </a:solidFill>
+              <a:latin typeface="メイリオ" panose="020B0604030504040204" pitchFamily="50" charset="-128"/>
+              <a:ea typeface="メイリオ" panose="020B0604030504040204" pitchFamily="50" charset="-128"/>
+              <a:cs typeface="メイリオ" panose="020B0604030504040204" pitchFamily="50" charset="-128"/>
+            </a:endParaRPr>
+          </a:p>
+        </p:txBody>
+      </p:sp>
     </p:spTree>
     <p:extLst>
       <p:ext uri="{BB962C8B-B14F-4D97-AF65-F5344CB8AC3E}">
@@ -12246,6 +12187,544 @@
   <p:clrMapOvr>
     <a:masterClrMapping/>
   </p:clrMapOvr>
+  <p:timing>
+    <p:tnLst>
+      <p:par>
+        <p:cTn id="1" dur="indefinite" restart="never" nodeType="tmRoot">
+          <p:childTnLst>
+            <p:seq concurrent="1" nextAc="seek">
+              <p:cTn id="2" dur="indefinite" nodeType="mainSeq">
+                <p:childTnLst>
+                  <p:par>
+                    <p:cTn id="3" fill="hold">
+                      <p:stCondLst>
+                        <p:cond delay="indefinite"/>
+                      </p:stCondLst>
+                      <p:childTnLst>
+                        <p:par>
+                          <p:cTn id="4" fill="hold">
+                            <p:stCondLst>
+                              <p:cond delay="0"/>
+                            </p:stCondLst>
+                            <p:childTnLst>
+                              <p:par>
+                                <p:cTn id="5" presetID="1" presetClass="entr" presetSubtype="0" fill="hold" grpId="0" nodeType="clickEffect">
+                                  <p:stCondLst>
+                                    <p:cond delay="0"/>
+                                  </p:stCondLst>
+                                  <p:childTnLst>
+                                    <p:set>
+                                      <p:cBhvr>
+                                        <p:cTn id="6" dur="1" fill="hold">
+                                          <p:stCondLst>
+                                            <p:cond delay="0"/>
+                                          </p:stCondLst>
+                                        </p:cTn>
+                                        <p:tgtEl>
+                                          <p:spTgt spid="31"/>
+                                        </p:tgtEl>
+                                        <p:attrNameLst>
+                                          <p:attrName>style.visibility</p:attrName>
+                                        </p:attrNameLst>
+                                      </p:cBhvr>
+                                      <p:to>
+                                        <p:strVal val="visible"/>
+                                      </p:to>
+                                    </p:set>
+                                  </p:childTnLst>
+                                </p:cTn>
+                              </p:par>
+                            </p:childTnLst>
+                          </p:cTn>
+                        </p:par>
+                      </p:childTnLst>
+                    </p:cTn>
+                  </p:par>
+                  <p:par>
+                    <p:cTn id="7" fill="hold">
+                      <p:stCondLst>
+                        <p:cond delay="indefinite"/>
+                      </p:stCondLst>
+                      <p:childTnLst>
+                        <p:par>
+                          <p:cTn id="8" fill="hold">
+                            <p:stCondLst>
+                              <p:cond delay="0"/>
+                            </p:stCondLst>
+                            <p:childTnLst>
+                              <p:par>
+                                <p:cTn id="9" presetID="1" presetClass="entr" presetSubtype="0" fill="hold" grpId="0" nodeType="clickEffect">
+                                  <p:stCondLst>
+                                    <p:cond delay="0"/>
+                                  </p:stCondLst>
+                                  <p:childTnLst>
+                                    <p:set>
+                                      <p:cBhvr>
+                                        <p:cTn id="10" dur="1" fill="hold">
+                                          <p:stCondLst>
+                                            <p:cond delay="0"/>
+                                          </p:stCondLst>
+                                        </p:cTn>
+                                        <p:tgtEl>
+                                          <p:spTgt spid="26"/>
+                                        </p:tgtEl>
+                                        <p:attrNameLst>
+                                          <p:attrName>style.visibility</p:attrName>
+                                        </p:attrNameLst>
+                                      </p:cBhvr>
+                                      <p:to>
+                                        <p:strVal val="visible"/>
+                                      </p:to>
+                                    </p:set>
+                                  </p:childTnLst>
+                                </p:cTn>
+                              </p:par>
+                            </p:childTnLst>
+                          </p:cTn>
+                        </p:par>
+                      </p:childTnLst>
+                    </p:cTn>
+                  </p:par>
+                  <p:par>
+                    <p:cTn id="11" fill="hold">
+                      <p:stCondLst>
+                        <p:cond delay="indefinite"/>
+                      </p:stCondLst>
+                      <p:childTnLst>
+                        <p:par>
+                          <p:cTn id="12" fill="hold">
+                            <p:stCondLst>
+                              <p:cond delay="0"/>
+                            </p:stCondLst>
+                            <p:childTnLst>
+                              <p:par>
+                                <p:cTn id="13" presetID="1" presetClass="entr" presetSubtype="0" fill="hold" grpId="0" nodeType="clickEffect">
+                                  <p:stCondLst>
+                                    <p:cond delay="0"/>
+                                  </p:stCondLst>
+                                  <p:childTnLst>
+                                    <p:set>
+                                      <p:cBhvr>
+                                        <p:cTn id="14" dur="1" fill="hold">
+                                          <p:stCondLst>
+                                            <p:cond delay="0"/>
+                                          </p:stCondLst>
+                                        </p:cTn>
+                                        <p:tgtEl>
+                                          <p:spTgt spid="32"/>
+                                        </p:tgtEl>
+                                        <p:attrNameLst>
+                                          <p:attrName>style.visibility</p:attrName>
+                                        </p:attrNameLst>
+                                      </p:cBhvr>
+                                      <p:to>
+                                        <p:strVal val="visible"/>
+                                      </p:to>
+                                    </p:set>
+                                  </p:childTnLst>
+                                </p:cTn>
+                              </p:par>
+                            </p:childTnLst>
+                          </p:cTn>
+                        </p:par>
+                      </p:childTnLst>
+                    </p:cTn>
+                  </p:par>
+                  <p:par>
+                    <p:cTn id="15" fill="hold">
+                      <p:stCondLst>
+                        <p:cond delay="indefinite"/>
+                      </p:stCondLst>
+                      <p:childTnLst>
+                        <p:par>
+                          <p:cTn id="16" fill="hold">
+                            <p:stCondLst>
+                              <p:cond delay="0"/>
+                            </p:stCondLst>
+                            <p:childTnLst>
+                              <p:par>
+                                <p:cTn id="17" presetID="1" presetClass="entr" presetSubtype="0" fill="hold" grpId="0" nodeType="clickEffect">
+                                  <p:stCondLst>
+                                    <p:cond delay="0"/>
+                                  </p:stCondLst>
+                                  <p:childTnLst>
+                                    <p:set>
+                                      <p:cBhvr>
+                                        <p:cTn id="18" dur="1" fill="hold">
+                                          <p:stCondLst>
+                                            <p:cond delay="0"/>
+                                          </p:stCondLst>
+                                        </p:cTn>
+                                        <p:tgtEl>
+                                          <p:spTgt spid="27"/>
+                                        </p:tgtEl>
+                                        <p:attrNameLst>
+                                          <p:attrName>style.visibility</p:attrName>
+                                        </p:attrNameLst>
+                                      </p:cBhvr>
+                                      <p:to>
+                                        <p:strVal val="visible"/>
+                                      </p:to>
+                                    </p:set>
+                                  </p:childTnLst>
+                                </p:cTn>
+                              </p:par>
+                            </p:childTnLst>
+                          </p:cTn>
+                        </p:par>
+                      </p:childTnLst>
+                    </p:cTn>
+                  </p:par>
+                  <p:par>
+                    <p:cTn id="19" fill="hold">
+                      <p:stCondLst>
+                        <p:cond delay="indefinite"/>
+                      </p:stCondLst>
+                      <p:childTnLst>
+                        <p:par>
+                          <p:cTn id="20" fill="hold">
+                            <p:stCondLst>
+                              <p:cond delay="0"/>
+                            </p:stCondLst>
+                            <p:childTnLst>
+                              <p:par>
+                                <p:cTn id="21" presetID="1" presetClass="entr" presetSubtype="0" fill="hold" grpId="0" nodeType="clickEffect">
+                                  <p:stCondLst>
+                                    <p:cond delay="0"/>
+                                  </p:stCondLst>
+                                  <p:childTnLst>
+                                    <p:set>
+                                      <p:cBhvr>
+                                        <p:cTn id="22" dur="1" fill="hold">
+                                          <p:stCondLst>
+                                            <p:cond delay="0"/>
+                                          </p:stCondLst>
+                                        </p:cTn>
+                                        <p:tgtEl>
+                                          <p:spTgt spid="33"/>
+                                        </p:tgtEl>
+                                        <p:attrNameLst>
+                                          <p:attrName>style.visibility</p:attrName>
+                                        </p:attrNameLst>
+                                      </p:cBhvr>
+                                      <p:to>
+                                        <p:strVal val="visible"/>
+                                      </p:to>
+                                    </p:set>
+                                  </p:childTnLst>
+                                </p:cTn>
+                              </p:par>
+                            </p:childTnLst>
+                          </p:cTn>
+                        </p:par>
+                      </p:childTnLst>
+                    </p:cTn>
+                  </p:par>
+                  <p:par>
+                    <p:cTn id="23" fill="hold">
+                      <p:stCondLst>
+                        <p:cond delay="indefinite"/>
+                      </p:stCondLst>
+                      <p:childTnLst>
+                        <p:par>
+                          <p:cTn id="24" fill="hold">
+                            <p:stCondLst>
+                              <p:cond delay="0"/>
+                            </p:stCondLst>
+                            <p:childTnLst>
+                              <p:par>
+                                <p:cTn id="25" presetID="1" presetClass="entr" presetSubtype="0" fill="hold" grpId="0" nodeType="clickEffect">
+                                  <p:stCondLst>
+                                    <p:cond delay="0"/>
+                                  </p:stCondLst>
+                                  <p:childTnLst>
+                                    <p:set>
+                                      <p:cBhvr>
+                                        <p:cTn id="26" dur="1" fill="hold">
+                                          <p:stCondLst>
+                                            <p:cond delay="0"/>
+                                          </p:stCondLst>
+                                        </p:cTn>
+                                        <p:tgtEl>
+                                          <p:spTgt spid="29"/>
+                                        </p:tgtEl>
+                                        <p:attrNameLst>
+                                          <p:attrName>style.visibility</p:attrName>
+                                        </p:attrNameLst>
+                                      </p:cBhvr>
+                                      <p:to>
+                                        <p:strVal val="visible"/>
+                                      </p:to>
+                                    </p:set>
+                                  </p:childTnLst>
+                                </p:cTn>
+                              </p:par>
+                            </p:childTnLst>
+                          </p:cTn>
+                        </p:par>
+                      </p:childTnLst>
+                    </p:cTn>
+                  </p:par>
+                  <p:par>
+                    <p:cTn id="27" fill="hold">
+                      <p:stCondLst>
+                        <p:cond delay="indefinite"/>
+                      </p:stCondLst>
+                      <p:childTnLst>
+                        <p:par>
+                          <p:cTn id="28" fill="hold">
+                            <p:stCondLst>
+                              <p:cond delay="0"/>
+                            </p:stCondLst>
+                            <p:childTnLst>
+                              <p:par>
+                                <p:cTn id="29" presetID="1" presetClass="entr" presetSubtype="0" fill="hold" grpId="0" nodeType="clickEffect">
+                                  <p:stCondLst>
+                                    <p:cond delay="0"/>
+                                  </p:stCondLst>
+                                  <p:childTnLst>
+                                    <p:set>
+                                      <p:cBhvr>
+                                        <p:cTn id="30" dur="1" fill="hold">
+                                          <p:stCondLst>
+                                            <p:cond delay="0"/>
+                                          </p:stCondLst>
+                                        </p:cTn>
+                                        <p:tgtEl>
+                                          <p:spTgt spid="30"/>
+                                        </p:tgtEl>
+                                        <p:attrNameLst>
+                                          <p:attrName>style.visibility</p:attrName>
+                                        </p:attrNameLst>
+                                      </p:cBhvr>
+                                      <p:to>
+                                        <p:strVal val="visible"/>
+                                      </p:to>
+                                    </p:set>
+                                  </p:childTnLst>
+                                </p:cTn>
+                              </p:par>
+                            </p:childTnLst>
+                          </p:cTn>
+                        </p:par>
+                      </p:childTnLst>
+                    </p:cTn>
+                  </p:par>
+                  <p:par>
+                    <p:cTn id="31" fill="hold">
+                      <p:stCondLst>
+                        <p:cond delay="indefinite"/>
+                      </p:stCondLst>
+                      <p:childTnLst>
+                        <p:par>
+                          <p:cTn id="32" fill="hold">
+                            <p:stCondLst>
+                              <p:cond delay="0"/>
+                            </p:stCondLst>
+                            <p:childTnLst>
+                              <p:par>
+                                <p:cTn id="33" presetID="1" presetClass="entr" presetSubtype="0" fill="hold" grpId="0" nodeType="clickEffect">
+                                  <p:stCondLst>
+                                    <p:cond delay="0"/>
+                                  </p:stCondLst>
+                                  <p:childTnLst>
+                                    <p:set>
+                                      <p:cBhvr>
+                                        <p:cTn id="34" dur="1" fill="hold">
+                                          <p:stCondLst>
+                                            <p:cond delay="0"/>
+                                          </p:stCondLst>
+                                        </p:cTn>
+                                        <p:tgtEl>
+                                          <p:spTgt spid="35"/>
+                                        </p:tgtEl>
+                                        <p:attrNameLst>
+                                          <p:attrName>style.visibility</p:attrName>
+                                        </p:attrNameLst>
+                                      </p:cBhvr>
+                                      <p:to>
+                                        <p:strVal val="visible"/>
+                                      </p:to>
+                                    </p:set>
+                                  </p:childTnLst>
+                                </p:cTn>
+                              </p:par>
+                            </p:childTnLst>
+                          </p:cTn>
+                        </p:par>
+                      </p:childTnLst>
+                    </p:cTn>
+                  </p:par>
+                  <p:par>
+                    <p:cTn id="35" fill="hold">
+                      <p:stCondLst>
+                        <p:cond delay="indefinite"/>
+                      </p:stCondLst>
+                      <p:childTnLst>
+                        <p:par>
+                          <p:cTn id="36" fill="hold">
+                            <p:stCondLst>
+                              <p:cond delay="0"/>
+                            </p:stCondLst>
+                            <p:childTnLst>
+                              <p:par>
+                                <p:cTn id="37" presetID="1" presetClass="entr" presetSubtype="0" fill="hold" grpId="0" nodeType="clickEffect">
+                                  <p:stCondLst>
+                                    <p:cond delay="0"/>
+                                  </p:stCondLst>
+                                  <p:childTnLst>
+                                    <p:set>
+                                      <p:cBhvr>
+                                        <p:cTn id="38" dur="1" fill="hold">
+                                          <p:stCondLst>
+                                            <p:cond delay="0"/>
+                                          </p:stCondLst>
+                                        </p:cTn>
+                                        <p:tgtEl>
+                                          <p:spTgt spid="28"/>
+                                        </p:tgtEl>
+                                        <p:attrNameLst>
+                                          <p:attrName>style.visibility</p:attrName>
+                                        </p:attrNameLst>
+                                      </p:cBhvr>
+                                      <p:to>
+                                        <p:strVal val="visible"/>
+                                      </p:to>
+                                    </p:set>
+                                  </p:childTnLst>
+                                </p:cTn>
+                              </p:par>
+                            </p:childTnLst>
+                          </p:cTn>
+                        </p:par>
+                      </p:childTnLst>
+                    </p:cTn>
+                  </p:par>
+                  <p:par>
+                    <p:cTn id="39" fill="hold">
+                      <p:stCondLst>
+                        <p:cond delay="indefinite"/>
+                      </p:stCondLst>
+                      <p:childTnLst>
+                        <p:par>
+                          <p:cTn id="40" fill="hold">
+                            <p:stCondLst>
+                              <p:cond delay="0"/>
+                            </p:stCondLst>
+                            <p:childTnLst>
+                              <p:par>
+                                <p:cTn id="41" presetID="1" presetClass="entr" presetSubtype="0" fill="hold" grpId="0" nodeType="clickEffect">
+                                  <p:stCondLst>
+                                    <p:cond delay="0"/>
+                                  </p:stCondLst>
+                                  <p:childTnLst>
+                                    <p:set>
+                                      <p:cBhvr>
+                                        <p:cTn id="42" dur="1" fill="hold">
+                                          <p:stCondLst>
+                                            <p:cond delay="0"/>
+                                          </p:stCondLst>
+                                        </p:cTn>
+                                        <p:tgtEl>
+                                          <p:spTgt spid="34"/>
+                                        </p:tgtEl>
+                                        <p:attrNameLst>
+                                          <p:attrName>style.visibility</p:attrName>
+                                        </p:attrNameLst>
+                                      </p:cBhvr>
+                                      <p:to>
+                                        <p:strVal val="visible"/>
+                                      </p:to>
+                                    </p:set>
+                                  </p:childTnLst>
+                                </p:cTn>
+                              </p:par>
+                            </p:childTnLst>
+                          </p:cTn>
+                        </p:par>
+                      </p:childTnLst>
+                    </p:cTn>
+                  </p:par>
+                  <p:par>
+                    <p:cTn id="43" fill="hold">
+                      <p:stCondLst>
+                        <p:cond delay="indefinite"/>
+                      </p:stCondLst>
+                      <p:childTnLst>
+                        <p:par>
+                          <p:cTn id="44" fill="hold">
+                            <p:stCondLst>
+                              <p:cond delay="0"/>
+                            </p:stCondLst>
+                            <p:childTnLst>
+                              <p:par>
+                                <p:cTn id="45" presetID="1" presetClass="entr" presetSubtype="0" fill="hold" grpId="0" nodeType="clickEffect">
+                                  <p:stCondLst>
+                                    <p:cond delay="0"/>
+                                  </p:stCondLst>
+                                  <p:childTnLst>
+                                    <p:set>
+                                      <p:cBhvr>
+                                        <p:cTn id="46" dur="1" fill="hold">
+                                          <p:stCondLst>
+                                            <p:cond delay="0"/>
+                                          </p:stCondLst>
+                                        </p:cTn>
+                                        <p:tgtEl>
+                                          <p:spTgt spid="36"/>
+                                        </p:tgtEl>
+                                        <p:attrNameLst>
+                                          <p:attrName>style.visibility</p:attrName>
+                                        </p:attrNameLst>
+                                      </p:cBhvr>
+                                      <p:to>
+                                        <p:strVal val="visible"/>
+                                      </p:to>
+                                    </p:set>
+                                  </p:childTnLst>
+                                </p:cTn>
+                              </p:par>
+                            </p:childTnLst>
+                          </p:cTn>
+                        </p:par>
+                      </p:childTnLst>
+                    </p:cTn>
+                  </p:par>
+                </p:childTnLst>
+              </p:cTn>
+              <p:prevCondLst>
+                <p:cond evt="onPrev" delay="0">
+                  <p:tgtEl>
+                    <p:sldTgt/>
+                  </p:tgtEl>
+                </p:cond>
+              </p:prevCondLst>
+              <p:nextCondLst>
+                <p:cond evt="onNext" delay="0">
+                  <p:tgtEl>
+                    <p:sldTgt/>
+                  </p:tgtEl>
+                </p:cond>
+              </p:nextCondLst>
+            </p:seq>
+          </p:childTnLst>
+        </p:cTn>
+      </p:par>
+    </p:tnLst>
+    <p:bldLst>
+      <p:bldP spid="26" grpId="0" animBg="1"/>
+      <p:bldP spid="27" grpId="0" animBg="1"/>
+      <p:bldP spid="28" grpId="0" animBg="1"/>
+      <p:bldP spid="29" grpId="0" animBg="1"/>
+      <p:bldP spid="30" grpId="0" animBg="1"/>
+      <p:bldP spid="31" grpId="0" animBg="1"/>
+      <p:bldP spid="32" grpId="0" animBg="1"/>
+      <p:bldP spid="33" grpId="0" animBg="1"/>
+      <p:bldP spid="34" grpId="0" animBg="1"/>
+      <p:bldP spid="35" grpId="0" animBg="1"/>
+      <p:bldP spid="36" grpId="0" animBg="1"/>
+    </p:bldLst>
+  </p:timing>
 </p:sld>
 </file>
 
@@ -12286,29 +12765,6 @@
               <a:t>確率分布の関連性</a:t>
             </a:r>
             <a:endParaRPr kumimoji="1" lang="ja-JP" altLang="en-US" dirty="0"/>
-          </a:p>
-        </p:txBody>
-      </p:sp>
-      <p:sp>
-        <p:nvSpPr>
-          <p:cNvPr id="6" name="スライド番号プレースホルダー 5"/>
-          <p:cNvSpPr>
-            <a:spLocks noGrp="1"/>
-          </p:cNvSpPr>
-          <p:nvPr>
-            <p:ph type="sldNum" sz="quarter" idx="12"/>
-          </p:nvPr>
-        </p:nvSpPr>
-        <p:spPr/>
-        <p:txBody>
-          <a:bodyPr/>
-          <a:lstStyle/>
-          <a:p>
-            <a:fld id="{83E4BC44-1CD2-4666-A5F4-A286043144FC}" type="slidenum">
-              <a:rPr kumimoji="1" lang="ja-JP" altLang="en-US" smtClean="0"/>
-              <a:t>3</a:t>
-            </a:fld>
-            <a:endParaRPr kumimoji="1" lang="ja-JP" altLang="en-US"/>
           </a:p>
         </p:txBody>
       </p:sp>
@@ -12725,8 +13181,8 @@
           </p:sp>
         </mc:Fallback>
       </mc:AlternateContent>
-      <mc:AlternateContent xmlns:mc="http://schemas.openxmlformats.org/markup-compatibility/2006" xmlns:a14="http://schemas.microsoft.com/office/drawing/2010/main">
-        <mc:Choice Requires="a14">
+      <mc:AlternateContent xmlns:mc="http://schemas.openxmlformats.org/markup-compatibility/2006">
+        <mc:Choice xmlns:a14="http://schemas.microsoft.com/office/drawing/2010/main" Requires="a14">
           <p:sp>
             <p:nvSpPr>
               <p:cNvPr id="19" name="正方形/長方形 18"/>
@@ -12786,7 +13242,18 @@
                     <a:ea typeface="メイリオ" panose="020B0604030504040204" pitchFamily="50" charset="-128"/>
                     <a:cs typeface="メイリオ" panose="020B0604030504040204" pitchFamily="50" charset="-128"/>
                   </a:rPr>
-                  <a:t>正規分布</a:t>
+                  <a:t>正規</a:t>
+                </a:r>
+                <a:r>
+                  <a:rPr kumimoji="1" lang="ja-JP" altLang="en-US">
+                    <a:solidFill>
+                      <a:srgbClr val="FF0000"/>
+                    </a:solidFill>
+                    <a:latin typeface="メイリオ" panose="020B0604030504040204" pitchFamily="50" charset="-128"/>
+                    <a:ea typeface="メイリオ" panose="020B0604030504040204" pitchFamily="50" charset="-128"/>
+                    <a:cs typeface="メイリオ" panose="020B0604030504040204" pitchFamily="50" charset="-128"/>
+                  </a:rPr>
+                  <a:t>分布</a:t>
                 </a:r>
                 <a:r>
                   <a:rPr kumimoji="1" lang="en-US" altLang="ja-JP" dirty="0">
@@ -12799,9 +13266,6 @@
                   </a:rPr>
                   <a:t>】</a:t>
                 </a:r>
-              </a:p>
-              <a:p>
-                <a:pPr algn="ctr"/>
                 <a:endParaRPr lang="en-US" altLang="ja-JP" dirty="0">
                   <a:solidFill>
                     <a:schemeClr val="tx1"/>
@@ -13053,7 +13517,7 @@
             </p:txBody>
           </p:sp>
         </mc:Choice>
-        <mc:Fallback xmlns="">
+        <mc:Fallback>
           <p:sp>
             <p:nvSpPr>
               <p:cNvPr id="19" name="正方形/長方形 18"/>
@@ -13070,10 +13534,10 @@
               <a:prstGeom prst="rect">
                 <a:avLst/>
               </a:prstGeom>
-              <a:blipFill rotWithShape="1">
+              <a:blipFill>
                 <a:blip r:embed="rId3"/>
                 <a:stretch>
-                  <a:fillRect t="-3750"/>
+                  <a:fillRect/>
                 </a:stretch>
               </a:blipFill>
             </p:spPr>
@@ -13082,7 +13546,7 @@
               <a:lstStyle/>
               <a:p>
                 <a:r>
-                  <a:rPr lang="ja-JP" altLang="en-US">
+                  <a:rPr lang="en-JP">
                     <a:noFill/>
                   </a:rPr>
                   <a:t> </a:t>
@@ -14344,7 +14808,7 @@
         </p:nvSpPr>
         <p:spPr>
           <a:xfrm>
-            <a:off x="3491880" y="188640"/>
+            <a:off x="4860030" y="842170"/>
             <a:ext cx="2592288" cy="1224136"/>
           </a:xfrm>
           <a:prstGeom prst="rect">
@@ -16078,29 +16542,6 @@
           </p:sp>
         </mc:Fallback>
       </mc:AlternateContent>
-      <p:sp>
-        <p:nvSpPr>
-          <p:cNvPr id="6" name="スライド番号プレースホルダー 5"/>
-          <p:cNvSpPr>
-            <a:spLocks noGrp="1"/>
-          </p:cNvSpPr>
-          <p:nvPr>
-            <p:ph type="sldNum" sz="quarter" idx="12"/>
-          </p:nvPr>
-        </p:nvSpPr>
-        <p:spPr/>
-        <p:txBody>
-          <a:bodyPr/>
-          <a:lstStyle/>
-          <a:p>
-            <a:fld id="{83E4BC44-1CD2-4666-A5F4-A286043144FC}" type="slidenum">
-              <a:rPr kumimoji="1" lang="ja-JP" altLang="en-US" smtClean="0"/>
-              <a:t>7</a:t>
-            </a:fld>
-            <a:endParaRPr kumimoji="1" lang="ja-JP" altLang="en-US"/>
-          </a:p>
-        </p:txBody>
-      </p:sp>
       <p:pic>
         <p:nvPicPr>
           <p:cNvPr id="1026" name="Picture 2"/>
@@ -17007,29 +17448,6 @@
           </p:sp>
         </mc:Fallback>
       </mc:AlternateContent>
-      <p:sp>
-        <p:nvSpPr>
-          <p:cNvPr id="6" name="スライド番号プレースホルダー 5"/>
-          <p:cNvSpPr>
-            <a:spLocks noGrp="1"/>
-          </p:cNvSpPr>
-          <p:nvPr>
-            <p:ph type="sldNum" sz="quarter" idx="12"/>
-          </p:nvPr>
-        </p:nvSpPr>
-        <p:spPr/>
-        <p:txBody>
-          <a:bodyPr/>
-          <a:lstStyle/>
-          <a:p>
-            <a:fld id="{83E4BC44-1CD2-4666-A5F4-A286043144FC}" type="slidenum">
-              <a:rPr kumimoji="1" lang="ja-JP" altLang="en-US" smtClean="0"/>
-              <a:t>8</a:t>
-            </a:fld>
-            <a:endParaRPr kumimoji="1" lang="ja-JP" altLang="en-US"/>
-          </a:p>
-        </p:txBody>
-      </p:sp>
       <p:pic>
         <p:nvPicPr>
           <p:cNvPr id="1026" name="Picture 2"/>
@@ -17317,760 +17735,6 @@
           </a:p>
         </p:txBody>
       </p:sp>
-      <mc:AlternateContent xmlns:mc="http://schemas.openxmlformats.org/markup-compatibility/2006" xmlns:a14="http://schemas.microsoft.com/office/drawing/2010/main">
-        <mc:Choice Requires="a14">
-          <p:sp>
-            <p:nvSpPr>
-              <p:cNvPr id="3" name="コンテンツ プレースホルダー 2"/>
-              <p:cNvSpPr>
-                <a:spLocks noGrp="1"/>
-              </p:cNvSpPr>
-              <p:nvPr>
-                <p:ph idx="1"/>
-              </p:nvPr>
-            </p:nvSpPr>
-            <p:spPr/>
-            <p:txBody>
-              <a:bodyPr>
-                <a:normAutofit/>
-              </a:bodyPr>
-              <a:lstStyle/>
-              <a:p>
-                <a:r>
-                  <a:rPr kumimoji="1" lang="ja-JP" altLang="en-US" dirty="0"/>
-                  <a:t>カイ二乗分布は自由度が小さいと</a:t>
-                </a:r>
-                <a:r>
-                  <a:rPr kumimoji="1" lang="ja-JP" altLang="en-US" dirty="0">
-                    <a:solidFill>
-                      <a:srgbClr val="FF0000"/>
-                    </a:solidFill>
-                  </a:rPr>
-                  <a:t>左右非対称</a:t>
-                </a:r>
-                <a:endParaRPr kumimoji="1" lang="en-US" altLang="ja-JP" dirty="0">
-                  <a:solidFill>
-                    <a:srgbClr val="FF0000"/>
-                  </a:solidFill>
-                </a:endParaRPr>
-              </a:p>
-              <a:p>
-                <a:endParaRPr lang="en-US" altLang="ja-JP" dirty="0"/>
-              </a:p>
-              <a:p>
-                <a:endParaRPr kumimoji="1" lang="en-US" altLang="ja-JP" dirty="0"/>
-              </a:p>
-              <a:p>
-                <a:endParaRPr lang="en-US" altLang="ja-JP" dirty="0"/>
-              </a:p>
-              <a:p>
-                <a:endParaRPr kumimoji="1" lang="en-US" altLang="ja-JP" dirty="0"/>
-              </a:p>
-              <a:p>
-                <a:pPr marL="0" indent="0">
-                  <a:buNone/>
-                </a:pPr>
-                <a14:m>
-                  <m:oMathPara xmlns:m="http://schemas.openxmlformats.org/officeDocument/2006/math">
-                    <m:oMathParaPr>
-                      <m:jc m:val="centerGroup"/>
-                    </m:oMathParaPr>
-                    <m:oMath xmlns:m="http://schemas.openxmlformats.org/officeDocument/2006/math">
-                      <m:func>
-                        <m:funcPr>
-                          <m:ctrlPr>
-                            <a:rPr kumimoji="1" lang="en-US" altLang="ja-JP" b="0" i="1" smtClean="0">
-                              <a:solidFill>
-                                <a:schemeClr val="bg1"/>
-                              </a:solidFill>
-                              <a:latin typeface="Cambria Math" panose="02040503050406030204" pitchFamily="18" charset="0"/>
-                            </a:rPr>
-                          </m:ctrlPr>
-                        </m:funcPr>
-                        <m:fName>
-                          <m:r>
-                            <m:rPr>
-                              <m:sty m:val="p"/>
-                            </m:rPr>
-                            <a:rPr kumimoji="1" lang="en-US" altLang="ja-JP" b="0" i="0" smtClean="0">
-                              <a:solidFill>
-                                <a:schemeClr val="bg1"/>
-                              </a:solidFill>
-                              <a:latin typeface="Cambria Math"/>
-                            </a:rPr>
-                            <m:t>Pr</m:t>
-                          </m:r>
-                        </m:fName>
-                        <m:e>
-                          <m:d>
-                            <m:dPr>
-                              <m:ctrlPr>
-                                <a:rPr kumimoji="1" lang="en-US" altLang="ja-JP" b="0" i="1" smtClean="0">
-                                  <a:solidFill>
-                                    <a:schemeClr val="bg1"/>
-                                  </a:solidFill>
-                                  <a:latin typeface="Cambria Math" panose="02040503050406030204" pitchFamily="18" charset="0"/>
-                                </a:rPr>
-                              </m:ctrlPr>
-                            </m:dPr>
-                            <m:e>
-                              <m:sSubSup>
-                                <m:sSubSupPr>
-                                  <m:ctrlPr>
-                                    <a:rPr kumimoji="1" lang="en-US" altLang="ja-JP" b="0" i="1" smtClean="0">
-                                      <a:solidFill>
-                                        <a:schemeClr val="bg1"/>
-                                      </a:solidFill>
-                                      <a:latin typeface="Cambria Math" panose="02040503050406030204" pitchFamily="18" charset="0"/>
-                                    </a:rPr>
-                                  </m:ctrlPr>
-                                </m:sSubSupPr>
-                                <m:e>
-                                  <m:r>
-                                    <a:rPr kumimoji="1" lang="en-US" altLang="ja-JP" b="0" i="1" smtClean="0">
-                                      <a:solidFill>
-                                        <a:schemeClr val="bg1"/>
-                                      </a:solidFill>
-                                      <a:latin typeface="Cambria Math"/>
-                                    </a:rPr>
-                                    <m:t>𝜒</m:t>
-                                  </m:r>
-                                </m:e>
-                                <m:sub>
-                                  <m:r>
-                                    <a:rPr kumimoji="1" lang="en-US" altLang="ja-JP" b="0" i="1" smtClean="0">
-                                      <a:solidFill>
-                                        <a:schemeClr val="bg1"/>
-                                      </a:solidFill>
-                                      <a:latin typeface="Cambria Math"/>
-                                    </a:rPr>
-                                    <m:t>0.975</m:t>
-                                  </m:r>
-                                </m:sub>
-                                <m:sup>
-                                  <m:r>
-                                    <a:rPr kumimoji="1" lang="en-US" altLang="ja-JP" b="0" i="1" smtClean="0">
-                                      <a:solidFill>
-                                        <a:schemeClr val="bg1"/>
-                                      </a:solidFill>
-                                      <a:latin typeface="Cambria Math"/>
-                                    </a:rPr>
-                                    <m:t>2</m:t>
-                                  </m:r>
-                                </m:sup>
-                              </m:sSubSup>
-                              <m:d>
-                                <m:dPr>
-                                  <m:ctrlPr>
-                                    <a:rPr kumimoji="1" lang="en-US" altLang="ja-JP" b="0" i="1" smtClean="0">
-                                      <a:solidFill>
-                                        <a:schemeClr val="bg1"/>
-                                      </a:solidFill>
-                                      <a:latin typeface="Cambria Math" panose="02040503050406030204" pitchFamily="18" charset="0"/>
-                                    </a:rPr>
-                                  </m:ctrlPr>
-                                </m:dPr>
-                                <m:e>
-                                  <m:r>
-                                    <a:rPr kumimoji="1" lang="en-US" altLang="ja-JP" b="0" i="1" smtClean="0">
-                                      <a:solidFill>
-                                        <a:schemeClr val="bg1"/>
-                                      </a:solidFill>
-                                      <a:latin typeface="Cambria Math"/>
-                                    </a:rPr>
-                                    <m:t>𝑛</m:t>
-                                  </m:r>
-                                  <m:r>
-                                    <a:rPr kumimoji="1" lang="en-US" altLang="ja-JP" b="0" i="1" smtClean="0">
-                                      <a:solidFill>
-                                        <a:schemeClr val="bg1"/>
-                                      </a:solidFill>
-                                      <a:latin typeface="Cambria Math"/>
-                                    </a:rPr>
-                                    <m:t>−1</m:t>
-                                  </m:r>
-                                </m:e>
-                              </m:d>
-                              <m:r>
-                                <a:rPr kumimoji="1" lang="en-US" altLang="ja-JP" b="0" i="1" smtClean="0">
-                                  <a:solidFill>
-                                    <a:schemeClr val="bg1"/>
-                                  </a:solidFill>
-                                  <a:latin typeface="Cambria Math"/>
-                                </a:rPr>
-                                <m:t>&lt;</m:t>
-                              </m:r>
-                              <m:r>
-                                <a:rPr kumimoji="1" lang="en-US" altLang="ja-JP" b="0" i="1" smtClean="0">
-                                  <a:solidFill>
-                                    <a:schemeClr val="bg1"/>
-                                  </a:solidFill>
-                                  <a:latin typeface="Cambria Math"/>
-                                </a:rPr>
-                                <m:t>𝑈</m:t>
-                              </m:r>
-                              <m:r>
-                                <a:rPr kumimoji="1" lang="en-US" altLang="ja-JP" b="0" i="1" smtClean="0">
-                                  <a:solidFill>
-                                    <a:schemeClr val="bg1"/>
-                                  </a:solidFill>
-                                  <a:latin typeface="Cambria Math"/>
-                                </a:rPr>
-                                <m:t>&lt;</m:t>
-                              </m:r>
-                              <m:sSubSup>
-                                <m:sSubSupPr>
-                                  <m:ctrlPr>
-                                    <a:rPr kumimoji="1" lang="en-US" altLang="ja-JP" b="0" i="1" smtClean="0">
-                                      <a:solidFill>
-                                        <a:schemeClr val="bg1"/>
-                                      </a:solidFill>
-                                      <a:latin typeface="Cambria Math" panose="02040503050406030204" pitchFamily="18" charset="0"/>
-                                    </a:rPr>
-                                  </m:ctrlPr>
-                                </m:sSubSupPr>
-                                <m:e>
-                                  <m:r>
-                                    <a:rPr kumimoji="1" lang="en-US" altLang="ja-JP" b="0" i="1" smtClean="0">
-                                      <a:solidFill>
-                                        <a:schemeClr val="bg1"/>
-                                      </a:solidFill>
-                                      <a:latin typeface="Cambria Math"/>
-                                    </a:rPr>
-                                    <m:t>𝜒</m:t>
-                                  </m:r>
-                                </m:e>
-                                <m:sub>
-                                  <m:r>
-                                    <a:rPr kumimoji="1" lang="en-US" altLang="ja-JP" b="0" i="1" smtClean="0">
-                                      <a:solidFill>
-                                        <a:schemeClr val="bg1"/>
-                                      </a:solidFill>
-                                      <a:latin typeface="Cambria Math"/>
-                                    </a:rPr>
-                                    <m:t>0.025</m:t>
-                                  </m:r>
-                                </m:sub>
-                                <m:sup>
-                                  <m:r>
-                                    <a:rPr kumimoji="1" lang="en-US" altLang="ja-JP" b="0" i="1" smtClean="0">
-                                      <a:solidFill>
-                                        <a:schemeClr val="bg1"/>
-                                      </a:solidFill>
-                                      <a:latin typeface="Cambria Math"/>
-                                    </a:rPr>
-                                    <m:t>2</m:t>
-                                  </m:r>
-                                </m:sup>
-                              </m:sSubSup>
-                              <m:d>
-                                <m:dPr>
-                                  <m:ctrlPr>
-                                    <a:rPr kumimoji="1" lang="en-US" altLang="ja-JP" b="0" i="1" smtClean="0">
-                                      <a:solidFill>
-                                        <a:schemeClr val="bg1"/>
-                                      </a:solidFill>
-                                      <a:latin typeface="Cambria Math" panose="02040503050406030204" pitchFamily="18" charset="0"/>
-                                    </a:rPr>
-                                  </m:ctrlPr>
-                                </m:dPr>
-                                <m:e>
-                                  <m:r>
-                                    <a:rPr kumimoji="1" lang="en-US" altLang="ja-JP" b="0" i="1" smtClean="0">
-                                      <a:solidFill>
-                                        <a:schemeClr val="bg1"/>
-                                      </a:solidFill>
-                                      <a:latin typeface="Cambria Math"/>
-                                    </a:rPr>
-                                    <m:t>𝑛</m:t>
-                                  </m:r>
-                                  <m:r>
-                                    <a:rPr kumimoji="1" lang="en-US" altLang="ja-JP" b="0" i="1" smtClean="0">
-                                      <a:solidFill>
-                                        <a:schemeClr val="bg1"/>
-                                      </a:solidFill>
-                                      <a:latin typeface="Cambria Math"/>
-                                    </a:rPr>
-                                    <m:t>−1</m:t>
-                                  </m:r>
-                                </m:e>
-                              </m:d>
-                            </m:e>
-                          </m:d>
-                        </m:e>
-                      </m:func>
-                    </m:oMath>
-                  </m:oMathPara>
-                </a14:m>
-                <a:endParaRPr kumimoji="1" lang="en-US" altLang="ja-JP" dirty="0">
-                  <a:solidFill>
-                    <a:schemeClr val="bg1"/>
-                  </a:solidFill>
-                </a:endParaRPr>
-              </a:p>
-              <a:p>
-                <a:pPr marL="0" indent="0">
-                  <a:buNone/>
-                </a:pPr>
-                <a14:m>
-                  <m:oMathPara xmlns:m="http://schemas.openxmlformats.org/officeDocument/2006/math">
-                    <m:oMathParaPr>
-                      <m:jc m:val="centerGroup"/>
-                    </m:oMathParaPr>
-                    <m:oMath xmlns:m="http://schemas.openxmlformats.org/officeDocument/2006/math">
-                      <m:r>
-                        <a:rPr kumimoji="1" lang="en-US" altLang="ja-JP" b="0" i="1" smtClean="0">
-                          <a:solidFill>
-                            <a:schemeClr val="bg1"/>
-                          </a:solidFill>
-                          <a:latin typeface="Cambria Math"/>
-                        </a:rPr>
-                        <m:t>=</m:t>
-                      </m:r>
-                      <m:func>
-                        <m:funcPr>
-                          <m:ctrlPr>
-                            <a:rPr kumimoji="1" lang="en-US" altLang="ja-JP" b="0" i="1" smtClean="0">
-                              <a:solidFill>
-                                <a:schemeClr val="bg1"/>
-                              </a:solidFill>
-                              <a:latin typeface="Cambria Math" panose="02040503050406030204" pitchFamily="18" charset="0"/>
-                            </a:rPr>
-                          </m:ctrlPr>
-                        </m:funcPr>
-                        <m:fName>
-                          <m:r>
-                            <m:rPr>
-                              <m:sty m:val="p"/>
-                            </m:rPr>
-                            <a:rPr kumimoji="1" lang="en-US" altLang="ja-JP" b="0" i="0" smtClean="0">
-                              <a:solidFill>
-                                <a:schemeClr val="bg1"/>
-                              </a:solidFill>
-                              <a:latin typeface="Cambria Math"/>
-                            </a:rPr>
-                            <m:t>Pr</m:t>
-                          </m:r>
-                        </m:fName>
-                        <m:e>
-                          <m:d>
-                            <m:dPr>
-                              <m:ctrlPr>
-                                <a:rPr kumimoji="1" lang="en-US" altLang="ja-JP" b="0" i="1" smtClean="0">
-                                  <a:solidFill>
-                                    <a:schemeClr val="bg1"/>
-                                  </a:solidFill>
-                                  <a:latin typeface="Cambria Math" panose="02040503050406030204" pitchFamily="18" charset="0"/>
-                                </a:rPr>
-                              </m:ctrlPr>
-                            </m:dPr>
-                            <m:e>
-                              <m:sSubSup>
-                                <m:sSubSupPr>
-                                  <m:ctrlPr>
-                                    <a:rPr kumimoji="1" lang="en-US" altLang="ja-JP" b="0" i="1" smtClean="0">
-                                      <a:solidFill>
-                                        <a:schemeClr val="bg1"/>
-                                      </a:solidFill>
-                                      <a:latin typeface="Cambria Math" panose="02040503050406030204" pitchFamily="18" charset="0"/>
-                                    </a:rPr>
-                                  </m:ctrlPr>
-                                </m:sSubSupPr>
-                                <m:e>
-                                  <m:r>
-                                    <a:rPr kumimoji="1" lang="en-US" altLang="ja-JP" b="0" i="1" smtClean="0">
-                                      <a:solidFill>
-                                        <a:schemeClr val="bg1"/>
-                                      </a:solidFill>
-                                      <a:latin typeface="Cambria Math"/>
-                                    </a:rPr>
-                                    <m:t>𝜒</m:t>
-                                  </m:r>
-                                </m:e>
-                                <m:sub>
-                                  <m:r>
-                                    <a:rPr kumimoji="1" lang="en-US" altLang="ja-JP" b="0" i="1" smtClean="0">
-                                      <a:solidFill>
-                                        <a:schemeClr val="bg1"/>
-                                      </a:solidFill>
-                                      <a:latin typeface="Cambria Math"/>
-                                    </a:rPr>
-                                    <m:t>0.975</m:t>
-                                  </m:r>
-                                </m:sub>
-                                <m:sup>
-                                  <m:r>
-                                    <a:rPr kumimoji="1" lang="en-US" altLang="ja-JP" b="0" i="1" smtClean="0">
-                                      <a:solidFill>
-                                        <a:schemeClr val="bg1"/>
-                                      </a:solidFill>
-                                      <a:latin typeface="Cambria Math"/>
-                                    </a:rPr>
-                                    <m:t>2</m:t>
-                                  </m:r>
-                                </m:sup>
-                              </m:sSubSup>
-                              <m:d>
-                                <m:dPr>
-                                  <m:ctrlPr>
-                                    <a:rPr kumimoji="1" lang="en-US" altLang="ja-JP" b="0" i="1" smtClean="0">
-                                      <a:solidFill>
-                                        <a:schemeClr val="bg1"/>
-                                      </a:solidFill>
-                                      <a:latin typeface="Cambria Math" panose="02040503050406030204" pitchFamily="18" charset="0"/>
-                                    </a:rPr>
-                                  </m:ctrlPr>
-                                </m:dPr>
-                                <m:e>
-                                  <m:r>
-                                    <a:rPr kumimoji="1" lang="en-US" altLang="ja-JP" b="0" i="1" smtClean="0">
-                                      <a:solidFill>
-                                        <a:schemeClr val="bg1"/>
-                                      </a:solidFill>
-                                      <a:latin typeface="Cambria Math"/>
-                                    </a:rPr>
-                                    <m:t>𝑛</m:t>
-                                  </m:r>
-                                  <m:r>
-                                    <a:rPr kumimoji="1" lang="en-US" altLang="ja-JP" b="0" i="1" smtClean="0">
-                                      <a:solidFill>
-                                        <a:schemeClr val="bg1"/>
-                                      </a:solidFill>
-                                      <a:latin typeface="Cambria Math"/>
-                                    </a:rPr>
-                                    <m:t>−1</m:t>
-                                  </m:r>
-                                </m:e>
-                              </m:d>
-                              <m:r>
-                                <a:rPr kumimoji="1" lang="en-US" altLang="ja-JP" b="0" i="1" smtClean="0">
-                                  <a:solidFill>
-                                    <a:schemeClr val="bg1"/>
-                                  </a:solidFill>
-                                  <a:latin typeface="Cambria Math"/>
-                                </a:rPr>
-                                <m:t>&lt;</m:t>
-                              </m:r>
-                              <m:f>
-                                <m:fPr>
-                                  <m:ctrlPr>
-                                    <a:rPr kumimoji="1" lang="en-US" altLang="ja-JP" b="0" i="1" smtClean="0">
-                                      <a:solidFill>
-                                        <a:schemeClr val="bg1"/>
-                                      </a:solidFill>
-                                      <a:latin typeface="Cambria Math" panose="02040503050406030204" pitchFamily="18" charset="0"/>
-                                    </a:rPr>
-                                  </m:ctrlPr>
-                                </m:fPr>
-                                <m:num>
-                                  <m:nary>
-                                    <m:naryPr>
-                                      <m:chr m:val="∑"/>
-                                      <m:subHide m:val="on"/>
-                                      <m:supHide m:val="on"/>
-                                      <m:ctrlPr>
-                                        <a:rPr kumimoji="1" lang="en-US" altLang="ja-JP" b="0" i="1" smtClean="0">
-                                          <a:solidFill>
-                                            <a:schemeClr val="bg1"/>
-                                          </a:solidFill>
-                                          <a:latin typeface="Cambria Math" panose="02040503050406030204" pitchFamily="18" charset="0"/>
-                                        </a:rPr>
-                                      </m:ctrlPr>
-                                    </m:naryPr>
-                                    <m:sub/>
-                                    <m:sup/>
-                                    <m:e>
-                                      <m:d>
-                                        <m:dPr>
-                                          <m:ctrlPr>
-                                            <a:rPr kumimoji="1" lang="en-US" altLang="ja-JP" b="0" i="1" smtClean="0">
-                                              <a:solidFill>
-                                                <a:schemeClr val="bg1"/>
-                                              </a:solidFill>
-                                              <a:latin typeface="Cambria Math" panose="02040503050406030204" pitchFamily="18" charset="0"/>
-                                            </a:rPr>
-                                          </m:ctrlPr>
-                                        </m:dPr>
-                                        <m:e>
-                                          <m:sSub>
-                                            <m:sSubPr>
-                                              <m:ctrlPr>
-                                                <a:rPr kumimoji="1" lang="en-US" altLang="ja-JP" b="0" i="1" smtClean="0">
-                                                  <a:solidFill>
-                                                    <a:schemeClr val="bg1"/>
-                                                  </a:solidFill>
-                                                  <a:latin typeface="Cambria Math" panose="02040503050406030204" pitchFamily="18" charset="0"/>
-                                                </a:rPr>
-                                              </m:ctrlPr>
-                                            </m:sSubPr>
-                                            <m:e>
-                                              <m:r>
-                                                <a:rPr kumimoji="1" lang="en-US" altLang="ja-JP" b="0" i="1" smtClean="0">
-                                                  <a:solidFill>
-                                                    <a:schemeClr val="bg1"/>
-                                                  </a:solidFill>
-                                                  <a:latin typeface="Cambria Math"/>
-                                                </a:rPr>
-                                                <m:t>𝑥</m:t>
-                                              </m:r>
-                                            </m:e>
-                                            <m:sub>
-                                              <m:r>
-                                                <a:rPr kumimoji="1" lang="en-US" altLang="ja-JP" b="0" i="1" smtClean="0">
-                                                  <a:solidFill>
-                                                    <a:schemeClr val="bg1"/>
-                                                  </a:solidFill>
-                                                  <a:latin typeface="Cambria Math"/>
-                                                </a:rPr>
-                                                <m:t>𝑖</m:t>
-                                              </m:r>
-                                            </m:sub>
-                                          </m:sSub>
-                                          <m:r>
-                                            <a:rPr kumimoji="1" lang="en-US" altLang="ja-JP" b="0" i="1" smtClean="0">
-                                              <a:solidFill>
-                                                <a:schemeClr val="bg1"/>
-                                              </a:solidFill>
-                                              <a:latin typeface="Cambria Math"/>
-                                            </a:rPr>
-                                            <m:t>−</m:t>
-                                          </m:r>
-                                          <m:acc>
-                                            <m:accPr>
-                                              <m:chr m:val="̅"/>
-                                              <m:ctrlPr>
-                                                <a:rPr kumimoji="1" lang="en-US" altLang="ja-JP" b="0" i="1" smtClean="0">
-                                                  <a:solidFill>
-                                                    <a:schemeClr val="bg1"/>
-                                                  </a:solidFill>
-                                                  <a:latin typeface="Cambria Math" panose="02040503050406030204" pitchFamily="18" charset="0"/>
-                                                </a:rPr>
-                                              </m:ctrlPr>
-                                            </m:accPr>
-                                            <m:e>
-                                              <m:r>
-                                                <a:rPr kumimoji="1" lang="en-US" altLang="ja-JP" b="0" i="1" smtClean="0">
-                                                  <a:solidFill>
-                                                    <a:schemeClr val="bg1"/>
-                                                  </a:solidFill>
-                                                  <a:latin typeface="Cambria Math"/>
-                                                </a:rPr>
-                                                <m:t>𝑥</m:t>
-                                              </m:r>
-                                            </m:e>
-                                          </m:acc>
-                                        </m:e>
-                                      </m:d>
-                                    </m:e>
-                                  </m:nary>
-                                </m:num>
-                                <m:den>
-                                  <m:sSubSup>
-                                    <m:sSubSupPr>
-                                      <m:ctrlPr>
-                                        <a:rPr kumimoji="1" lang="en-US" altLang="ja-JP" b="0" i="1" smtClean="0">
-                                          <a:solidFill>
-                                            <a:schemeClr val="bg1"/>
-                                          </a:solidFill>
-                                          <a:latin typeface="Cambria Math" panose="02040503050406030204" pitchFamily="18" charset="0"/>
-                                        </a:rPr>
-                                      </m:ctrlPr>
-                                    </m:sSubSupPr>
-                                    <m:e>
-                                      <m:r>
-                                        <a:rPr kumimoji="1" lang="en-US" altLang="ja-JP" b="0" i="1" smtClean="0">
-                                          <a:solidFill>
-                                            <a:schemeClr val="bg1"/>
-                                          </a:solidFill>
-                                          <a:latin typeface="Cambria Math"/>
-                                        </a:rPr>
-                                        <m:t>𝜎</m:t>
-                                      </m:r>
-                                    </m:e>
-                                    <m:sub>
-                                      <m:r>
-                                        <a:rPr kumimoji="1" lang="en-US" altLang="ja-JP" b="0" i="1" smtClean="0">
-                                          <a:solidFill>
-                                            <a:schemeClr val="bg1"/>
-                                          </a:solidFill>
-                                          <a:latin typeface="Cambria Math"/>
-                                        </a:rPr>
-                                        <m:t>𝑥</m:t>
-                                      </m:r>
-                                    </m:sub>
-                                    <m:sup>
-                                      <m:r>
-                                        <a:rPr kumimoji="1" lang="en-US" altLang="ja-JP" b="0" i="1" smtClean="0">
-                                          <a:solidFill>
-                                            <a:schemeClr val="bg1"/>
-                                          </a:solidFill>
-                                          <a:latin typeface="Cambria Math"/>
-                                        </a:rPr>
-                                        <m:t>2</m:t>
-                                      </m:r>
-                                    </m:sup>
-                                  </m:sSubSup>
-                                </m:den>
-                              </m:f>
-                              <m:r>
-                                <a:rPr kumimoji="1" lang="en-US" altLang="ja-JP" b="0" i="1" smtClean="0">
-                                  <a:solidFill>
-                                    <a:schemeClr val="bg1"/>
-                                  </a:solidFill>
-                                  <a:latin typeface="Cambria Math"/>
-                                </a:rPr>
-                                <m:t>&lt;</m:t>
-                              </m:r>
-                              <m:sSubSup>
-                                <m:sSubSupPr>
-                                  <m:ctrlPr>
-                                    <a:rPr kumimoji="1" lang="en-US" altLang="ja-JP" b="0" i="1" smtClean="0">
-                                      <a:solidFill>
-                                        <a:schemeClr val="bg1"/>
-                                      </a:solidFill>
-                                      <a:latin typeface="Cambria Math" panose="02040503050406030204" pitchFamily="18" charset="0"/>
-                                    </a:rPr>
-                                  </m:ctrlPr>
-                                </m:sSubSupPr>
-                                <m:e>
-                                  <m:r>
-                                    <a:rPr kumimoji="1" lang="en-US" altLang="ja-JP" b="0" i="1" smtClean="0">
-                                      <a:solidFill>
-                                        <a:schemeClr val="bg1"/>
-                                      </a:solidFill>
-                                      <a:latin typeface="Cambria Math"/>
-                                    </a:rPr>
-                                    <m:t>𝜒</m:t>
-                                  </m:r>
-                                </m:e>
-                                <m:sub>
-                                  <m:r>
-                                    <a:rPr kumimoji="1" lang="en-US" altLang="ja-JP" b="0" i="1" smtClean="0">
-                                      <a:solidFill>
-                                        <a:schemeClr val="bg1"/>
-                                      </a:solidFill>
-                                      <a:latin typeface="Cambria Math"/>
-                                    </a:rPr>
-                                    <m:t>0.025</m:t>
-                                  </m:r>
-                                </m:sub>
-                                <m:sup>
-                                  <m:r>
-                                    <a:rPr kumimoji="1" lang="en-US" altLang="ja-JP" b="0" i="1" smtClean="0">
-                                      <a:solidFill>
-                                        <a:schemeClr val="bg1"/>
-                                      </a:solidFill>
-                                      <a:latin typeface="Cambria Math"/>
-                                    </a:rPr>
-                                    <m:t>2</m:t>
-                                  </m:r>
-                                </m:sup>
-                              </m:sSubSup>
-                              <m:d>
-                                <m:dPr>
-                                  <m:ctrlPr>
-                                    <a:rPr kumimoji="1" lang="en-US" altLang="ja-JP" b="0" i="1" smtClean="0">
-                                      <a:solidFill>
-                                        <a:schemeClr val="bg1"/>
-                                      </a:solidFill>
-                                      <a:latin typeface="Cambria Math" panose="02040503050406030204" pitchFamily="18" charset="0"/>
-                                    </a:rPr>
-                                  </m:ctrlPr>
-                                </m:dPr>
-                                <m:e>
-                                  <m:r>
-                                    <a:rPr kumimoji="1" lang="en-US" altLang="ja-JP" b="0" i="1" smtClean="0">
-                                      <a:solidFill>
-                                        <a:schemeClr val="bg1"/>
-                                      </a:solidFill>
-                                      <a:latin typeface="Cambria Math"/>
-                                    </a:rPr>
-                                    <m:t>𝑛</m:t>
-                                  </m:r>
-                                  <m:r>
-                                    <a:rPr kumimoji="1" lang="en-US" altLang="ja-JP" b="0" i="1" smtClean="0">
-                                      <a:solidFill>
-                                        <a:schemeClr val="bg1"/>
-                                      </a:solidFill>
-                                      <a:latin typeface="Cambria Math"/>
-                                    </a:rPr>
-                                    <m:t>−1</m:t>
-                                  </m:r>
-                                </m:e>
-                              </m:d>
-                            </m:e>
-                          </m:d>
-                        </m:e>
-                      </m:func>
-                    </m:oMath>
-                  </m:oMathPara>
-                </a14:m>
-                <a:endParaRPr kumimoji="1" lang="en-US" altLang="ja-JP" dirty="0">
-                  <a:solidFill>
-                    <a:schemeClr val="bg1"/>
-                  </a:solidFill>
-                </a:endParaRPr>
-              </a:p>
-            </p:txBody>
-          </p:sp>
-        </mc:Choice>
-        <mc:Fallback xmlns="">
-          <p:sp>
-            <p:nvSpPr>
-              <p:cNvPr id="3" name="コンテンツ プレースホルダー 2"/>
-              <p:cNvSpPr>
-                <a:spLocks noGrp="1" noRot="1" noChangeAspect="1" noMove="1" noResize="1" noEditPoints="1" noAdjustHandles="1" noChangeArrowheads="1" noChangeShapeType="1" noTextEdit="1"/>
-              </p:cNvSpPr>
-              <p:nvPr>
-                <p:ph idx="1"/>
-              </p:nvPr>
-            </p:nvSpPr>
-            <p:spPr>
-              <a:blipFill rotWithShape="1">
-                <a:blip r:embed="rId2"/>
-                <a:stretch>
-                  <a:fillRect l="-1467" t="-1629"/>
-                </a:stretch>
-              </a:blipFill>
-            </p:spPr>
-            <p:txBody>
-              <a:bodyPr/>
-              <a:lstStyle/>
-              <a:p>
-                <a:r>
-                  <a:rPr lang="ja-JP" altLang="en-US">
-                    <a:noFill/>
-                  </a:rPr>
-                  <a:t> </a:t>
-                </a:r>
-              </a:p>
-            </p:txBody>
-          </p:sp>
-        </mc:Fallback>
-      </mc:AlternateContent>
-      <p:sp>
-        <p:nvSpPr>
-          <p:cNvPr id="6" name="スライド番号プレースホルダー 5"/>
-          <p:cNvSpPr>
-            <a:spLocks noGrp="1"/>
-          </p:cNvSpPr>
-          <p:nvPr>
-            <p:ph type="sldNum" sz="quarter" idx="12"/>
-          </p:nvPr>
-        </p:nvSpPr>
-        <p:spPr/>
-        <p:txBody>
-          <a:bodyPr/>
-          <a:lstStyle/>
-          <a:p>
-            <a:fld id="{83E4BC44-1CD2-4666-A5F4-A286043144FC}" type="slidenum">
-              <a:rPr kumimoji="1" lang="ja-JP" altLang="en-US" smtClean="0"/>
-              <a:t>9</a:t>
-            </a:fld>
-            <a:endParaRPr kumimoji="1" lang="ja-JP" altLang="en-US"/>
-          </a:p>
-        </p:txBody>
-      </p:sp>
       <p:pic>
         <p:nvPicPr>
           <p:cNvPr id="1026" name="Picture 2"/>
@@ -18080,7 +17744,7 @@
           <p:nvPr/>
         </p:nvPicPr>
         <p:blipFill>
-          <a:blip r:embed="rId3">
+          <a:blip r:embed="rId2">
             <a:extLst>
               <a:ext uri="{28A0092B-C50C-407E-A947-70E740481C1C}">
                 <a14:useLocalDpi xmlns:a14="http://schemas.microsoft.com/office/drawing/2010/main" val="0"/>
@@ -18135,8 +17799,8 @@
           </a:extLst>
         </p:spPr>
       </p:pic>
-      <mc:AlternateContent xmlns:mc="http://schemas.openxmlformats.org/markup-compatibility/2006" xmlns:a14="http://schemas.microsoft.com/office/drawing/2010/main">
-        <mc:Choice Requires="a14">
+      <mc:AlternateContent xmlns:mc="http://schemas.openxmlformats.org/markup-compatibility/2006">
+        <mc:Choice xmlns:a14="http://schemas.microsoft.com/office/drawing/2010/main" Requires="a14">
           <p:sp>
             <p:nvSpPr>
               <p:cNvPr id="7" name="角丸四角形吹き出し 6"/>
@@ -18145,13 +17809,13 @@
             </p:nvSpPr>
             <p:spPr>
               <a:xfrm>
-                <a:off x="5796136" y="5769260"/>
+                <a:off x="6084168" y="4293096"/>
                 <a:ext cx="1800200" cy="936104"/>
               </a:xfrm>
               <a:prstGeom prst="wedgeRoundRectCallout">
                 <a:avLst>
-                  <a:gd name="adj1" fmla="val -76316"/>
-                  <a:gd name="adj2" fmla="val -57724"/>
+                  <a:gd name="adj1" fmla="val -58459"/>
+                  <a:gd name="adj2" fmla="val 82693"/>
                   <a:gd name="adj3" fmla="val 16667"/>
                 </a:avLst>
               </a:prstGeom>
@@ -18247,7 +17911,7 @@
             </p:txBody>
           </p:sp>
         </mc:Choice>
-        <mc:Fallback xmlns="">
+        <mc:Fallback>
           <p:sp>
             <p:nvSpPr>
               <p:cNvPr id="7" name="角丸四角形吹き出し 6"/>
@@ -18258,18 +17922,18 @@
             </p:nvSpPr>
             <p:spPr>
               <a:xfrm>
-                <a:off x="5796136" y="5769260"/>
+                <a:off x="6084168" y="4293096"/>
                 <a:ext cx="1800200" cy="936104"/>
               </a:xfrm>
               <a:prstGeom prst="wedgeRoundRectCallout">
                 <a:avLst>
-                  <a:gd name="adj1" fmla="val -76316"/>
-                  <a:gd name="adj2" fmla="val -57724"/>
+                  <a:gd name="adj1" fmla="val -58459"/>
+                  <a:gd name="adj2" fmla="val 82693"/>
                   <a:gd name="adj3" fmla="val 16667"/>
                 </a:avLst>
               </a:prstGeom>
-              <a:blipFill rotWithShape="1">
-                <a:blip r:embed="rId4"/>
+              <a:blipFill>
+                <a:blip r:embed="rId3"/>
                 <a:stretch>
                   <a:fillRect/>
                 </a:stretch>
@@ -18283,7 +17947,7 @@
               <a:lstStyle/>
               <a:p>
                 <a:r>
-                  <a:rPr lang="ja-JP" altLang="en-US">
+                  <a:rPr lang="en-JP">
                     <a:noFill/>
                   </a:rPr>
                   <a:t> </a:t>
@@ -18293,8 +17957,8 @@
           </p:sp>
         </mc:Fallback>
       </mc:AlternateContent>
-      <mc:AlternateContent xmlns:mc="http://schemas.openxmlformats.org/markup-compatibility/2006" xmlns:a14="http://schemas.microsoft.com/office/drawing/2010/main">
-        <mc:Choice Requires="a14">
+      <mc:AlternateContent xmlns:mc="http://schemas.openxmlformats.org/markup-compatibility/2006">
+        <mc:Choice xmlns:a14="http://schemas.microsoft.com/office/drawing/2010/main" Requires="a14">
           <p:sp>
             <p:nvSpPr>
               <p:cNvPr id="9" name="角丸四角形吹き出し 8"/>
@@ -18303,13 +17967,13 @@
             </p:nvSpPr>
             <p:spPr>
               <a:xfrm>
-                <a:off x="1907704" y="5909567"/>
+                <a:off x="1979712" y="4365104"/>
                 <a:ext cx="1800200" cy="936104"/>
               </a:xfrm>
               <a:prstGeom prst="wedgeRoundRectCallout">
                 <a:avLst>
-                  <a:gd name="adj1" fmla="val -70846"/>
-                  <a:gd name="adj2" fmla="val -71249"/>
+                  <a:gd name="adj1" fmla="val -77989"/>
+                  <a:gd name="adj2" fmla="val 56195"/>
                   <a:gd name="adj3" fmla="val 16667"/>
                 </a:avLst>
               </a:prstGeom>
@@ -18405,7 +18069,7 @@
             </p:txBody>
           </p:sp>
         </mc:Choice>
-        <mc:Fallback xmlns="">
+        <mc:Fallback>
           <p:sp>
             <p:nvSpPr>
               <p:cNvPr id="9" name="角丸四角形吹き出し 8"/>
@@ -18416,18 +18080,18 @@
             </p:nvSpPr>
             <p:spPr>
               <a:xfrm>
-                <a:off x="1907704" y="5909567"/>
+                <a:off x="1979712" y="4365104"/>
                 <a:ext cx="1800200" cy="936104"/>
               </a:xfrm>
               <a:prstGeom prst="wedgeRoundRectCallout">
                 <a:avLst>
-                  <a:gd name="adj1" fmla="val -70846"/>
-                  <a:gd name="adj2" fmla="val -71249"/>
+                  <a:gd name="adj1" fmla="val -77989"/>
+                  <a:gd name="adj2" fmla="val 56195"/>
                   <a:gd name="adj3" fmla="val 16667"/>
                 </a:avLst>
               </a:prstGeom>
-              <a:blipFill rotWithShape="1">
-                <a:blip r:embed="rId5"/>
+              <a:blipFill>
+                <a:blip r:embed="rId4"/>
                 <a:stretch>
                   <a:fillRect/>
                 </a:stretch>
@@ -18441,7 +18105,7 @@
               <a:lstStyle/>
               <a:p>
                 <a:r>
-                  <a:rPr lang="ja-JP" altLang="en-US">
+                  <a:rPr lang="en-JP">
                     <a:noFill/>
                   </a:rPr>
                   <a:t> </a:t>
